--- a/HACK U 発表用スライド.pptx
+++ b/HACK U 発表用スライド.pptx
@@ -129,6 +129,7 @@
 <file path=ppt/revisionInfo.xml><?xml version="1.0" encoding="utf-8"?>
 <p1510:revInfo xmlns:a="http://schemas.openxmlformats.org/drawingml/2006/main" xmlns:r="http://schemas.openxmlformats.org/officeDocument/2006/relationships" xmlns:p1510="http://schemas.microsoft.com/office/powerpoint/2015/10/main">
   <p1510:revLst>
+    <p1510:client id="{087DE93F-2EDA-E87F-A1AE-26AFCBC918E9}" v="4" dt="2025-09-19T01:25:04.106"/>
     <p1510:client id="{18A3A496-010A-D119-6C76-571E53910C86}" v="254" dt="2025-09-17T12:55:59.799"/>
     <p1510:client id="{BC4577A5-353A-6D02-0BA1-9BAF83D7D17C}" v="16" dt="2025-09-17T13:40:13.316"/>
     <p1510:client id="{DCFB66F9-4266-4813-9422-B4C94CC152C2}" v="210" dt="2025-09-17T13:53:21.870"/>
@@ -197,14 +198,6 @@
           <pc:docMk/>
           <pc:sldMk cId="2929467807" sldId="266"/>
         </pc:sldMkLst>
-        <pc:spChg chg="add del">
-          <ac:chgData name="ゲスト ユーザー" userId="" providerId="Windows Live" clId="Web-{BC4577A5-353A-6D02-0BA1-9BAF83D7D17C}" dt="2025-09-17T13:34:32.825" v="8"/>
-          <ac:spMkLst>
-            <pc:docMk/>
-            <pc:sldMk cId="2929467807" sldId="266"/>
-            <ac:spMk id="6" creationId="{B08451D2-ADBE-1F7B-E074-5D24DAA2EDDA}"/>
-          </ac:spMkLst>
-        </pc:spChg>
       </pc:sldChg>
     </pc:docChg>
   </pc:docChgLst>
@@ -308,14 +301,6 @@
           </ac:spMkLst>
         </pc:spChg>
         <pc:spChg chg="add mod">
-          <ac:chgData name="咲良 城﨑" userId="2978246415e9743d" providerId="LiveId" clId="{FD4822B2-D91D-4BAE-8796-2C0AF37C7DD3}" dt="2025-09-16T06:22:49.263" v="1525"/>
-          <ac:spMkLst>
-            <pc:docMk/>
-            <pc:sldMk cId="3884473623" sldId="257"/>
-            <ac:spMk id="6" creationId="{E7145785-0F47-D97B-2F2A-89DA1C16D852}"/>
-          </ac:spMkLst>
-        </pc:spChg>
-        <pc:spChg chg="add mod">
           <ac:chgData name="咲良 城﨑" userId="2978246415e9743d" providerId="LiveId" clId="{FD4822B2-D91D-4BAE-8796-2C0AF37C7DD3}" dt="2025-09-16T10:28:57.636" v="2177" actId="1036"/>
           <ac:spMkLst>
             <pc:docMk/>
@@ -331,30 +316,6 @@
             <ac:spMk id="8" creationId="{E685D8DE-4394-1B50-3AF3-B01928ED470D}"/>
           </ac:spMkLst>
         </pc:spChg>
-        <pc:spChg chg="add del mod">
-          <ac:chgData name="咲良 城﨑" userId="2978246415e9743d" providerId="LiveId" clId="{FD4822B2-D91D-4BAE-8796-2C0AF37C7DD3}" dt="2025-09-16T07:31:28.431" v="2037" actId="478"/>
-          <ac:spMkLst>
-            <pc:docMk/>
-            <pc:sldMk cId="3884473623" sldId="257"/>
-            <ac:spMk id="9" creationId="{0A96F950-5AA2-7848-2DB7-2F2B5D458C5C}"/>
-          </ac:spMkLst>
-        </pc:spChg>
-        <pc:picChg chg="add del mod">
-          <ac:chgData name="咲良 城﨑" userId="2978246415e9743d" providerId="LiveId" clId="{FD4822B2-D91D-4BAE-8796-2C0AF37C7DD3}" dt="2025-09-16T08:12:11.828" v="2128" actId="478"/>
-          <ac:picMkLst>
-            <pc:docMk/>
-            <pc:sldMk cId="3884473623" sldId="257"/>
-            <ac:picMk id="11" creationId="{E42D87CA-6093-D021-65D0-2A70AFD057D8}"/>
-          </ac:picMkLst>
-        </pc:picChg>
-        <pc:picChg chg="add del mod ord">
-          <ac:chgData name="咲良 城﨑" userId="2978246415e9743d" providerId="LiveId" clId="{FD4822B2-D91D-4BAE-8796-2C0AF37C7DD3}" dt="2025-09-16T08:16:22.241" v="2134" actId="478"/>
-          <ac:picMkLst>
-            <pc:docMk/>
-            <pc:sldMk cId="3884473623" sldId="257"/>
-            <ac:picMk id="13" creationId="{DB7F1647-E956-85C2-59D0-E008C6CF6489}"/>
-          </ac:picMkLst>
-        </pc:picChg>
       </pc:sldChg>
       <pc:sldChg chg="addSp delSp modSp add mod">
         <pc:chgData name="咲良 城﨑" userId="2978246415e9743d" providerId="LiveId" clId="{FD4822B2-D91D-4BAE-8796-2C0AF37C7DD3}" dt="2025-09-16T10:53:48.345" v="2244" actId="478"/>
@@ -362,22 +323,6 @@
           <pc:docMk/>
           <pc:sldMk cId="1514577255" sldId="258"/>
         </pc:sldMkLst>
-        <pc:spChg chg="add del mod">
-          <ac:chgData name="咲良 城﨑" userId="2978246415e9743d" providerId="LiveId" clId="{FD4822B2-D91D-4BAE-8796-2C0AF37C7DD3}" dt="2025-09-16T00:03:30.908" v="336" actId="478"/>
-          <ac:spMkLst>
-            <pc:docMk/>
-            <pc:sldMk cId="1514577255" sldId="258"/>
-            <ac:spMk id="2" creationId="{3BC130BE-491E-485D-211C-07B7F85C0F76}"/>
-          </ac:spMkLst>
-        </pc:spChg>
-        <pc:spChg chg="add del mod">
-          <ac:chgData name="咲良 城﨑" userId="2978246415e9743d" providerId="LiveId" clId="{FD4822B2-D91D-4BAE-8796-2C0AF37C7DD3}" dt="2025-09-16T10:53:48.345" v="2244" actId="478"/>
-          <ac:spMkLst>
-            <pc:docMk/>
-            <pc:sldMk cId="1514577255" sldId="258"/>
-            <ac:spMk id="3" creationId="{A6C7FB96-7B2F-09D0-DAAF-E07B999D15ED}"/>
-          </ac:spMkLst>
-        </pc:spChg>
         <pc:spChg chg="add mod">
           <ac:chgData name="咲良 城﨑" userId="2978246415e9743d" providerId="LiveId" clId="{FD4822B2-D91D-4BAE-8796-2C0AF37C7DD3}" dt="2025-09-16T06:52:59.308" v="1725" actId="1076"/>
           <ac:spMkLst>
@@ -410,14 +355,6 @@
             <ac:spMk id="7" creationId="{AAF6EB79-B315-DA58-A74E-C9DBADF76521}"/>
           </ac:spMkLst>
         </pc:spChg>
-        <pc:spChg chg="add mod">
-          <ac:chgData name="咲良 城﨑" userId="2978246415e9743d" providerId="LiveId" clId="{FD4822B2-D91D-4BAE-8796-2C0AF37C7DD3}" dt="2025-09-16T06:22:52.504" v="1526"/>
-          <ac:spMkLst>
-            <pc:docMk/>
-            <pc:sldMk cId="1514577255" sldId="258"/>
-            <ac:spMk id="8" creationId="{2B04CD08-0A65-3A07-DEB7-168FD01B3217}"/>
-          </ac:spMkLst>
-        </pc:spChg>
         <pc:spChg chg="add mod ord">
           <ac:chgData name="咲良 城﨑" userId="2978246415e9743d" providerId="LiveId" clId="{FD4822B2-D91D-4BAE-8796-2C0AF37C7DD3}" dt="2025-09-16T06:53:21.275" v="1733" actId="34135"/>
           <ac:spMkLst>
@@ -440,52 +377,12 @@
           <pc:docMk/>
           <pc:sldMk cId="1838090150" sldId="259"/>
         </pc:sldMkLst>
-        <pc:spChg chg="del">
-          <ac:chgData name="咲良 城﨑" userId="2978246415e9743d" providerId="LiveId" clId="{FD4822B2-D91D-4BAE-8796-2C0AF37C7DD3}" dt="2025-09-16T00:06:31.724" v="379" actId="478"/>
-          <ac:spMkLst>
-            <pc:docMk/>
-            <pc:sldMk cId="1838090150" sldId="259"/>
-            <ac:spMk id="2" creationId="{3E7350AA-0F82-FE54-3F1A-7845CB10D697}"/>
-          </ac:spMkLst>
-        </pc:spChg>
         <pc:spChg chg="add del mod">
           <ac:chgData name="咲良 城﨑" userId="2978246415e9743d" providerId="LiveId" clId="{FD4822B2-D91D-4BAE-8796-2C0AF37C7DD3}" dt="2025-09-16T10:57:57.892" v="2299" actId="478"/>
           <ac:spMkLst>
             <pc:docMk/>
             <pc:sldMk cId="1838090150" sldId="259"/>
             <ac:spMk id="2" creationId="{6F058A57-5B5E-220E-F142-C236700F4427}"/>
-          </ac:spMkLst>
-        </pc:spChg>
-        <pc:spChg chg="add del mod">
-          <ac:chgData name="咲良 城﨑" userId="2978246415e9743d" providerId="LiveId" clId="{FD4822B2-D91D-4BAE-8796-2C0AF37C7DD3}" dt="2025-09-16T10:58:06.545" v="2302" actId="478"/>
-          <ac:spMkLst>
-            <pc:docMk/>
-            <pc:sldMk cId="1838090150" sldId="259"/>
-            <ac:spMk id="3" creationId="{0436643C-64D7-0AF9-B1D2-B66082976DB7}"/>
-          </ac:spMkLst>
-        </pc:spChg>
-        <pc:spChg chg="del">
-          <ac:chgData name="咲良 城﨑" userId="2978246415e9743d" providerId="LiveId" clId="{FD4822B2-D91D-4BAE-8796-2C0AF37C7DD3}" dt="2025-09-16T00:06:33.042" v="380" actId="478"/>
-          <ac:spMkLst>
-            <pc:docMk/>
-            <pc:sldMk cId="1838090150" sldId="259"/>
-            <ac:spMk id="3" creationId="{24509A2B-4D6C-6FA4-3321-9B6E4C9D6DEE}"/>
-          </ac:spMkLst>
-        </pc:spChg>
-        <pc:spChg chg="add del mod">
-          <ac:chgData name="咲良 城﨑" userId="2978246415e9743d" providerId="LiveId" clId="{FD4822B2-D91D-4BAE-8796-2C0AF37C7DD3}" dt="2025-09-17T13:43:43.765" v="2558" actId="478"/>
-          <ac:spMkLst>
-            <pc:docMk/>
-            <pc:sldMk cId="1838090150" sldId="259"/>
-            <ac:spMk id="4" creationId="{B4482300-64CE-AB3B-581A-DD9584D71F97}"/>
-          </ac:spMkLst>
-        </pc:spChg>
-        <pc:spChg chg="add del mod">
-          <ac:chgData name="咲良 城﨑" userId="2978246415e9743d" providerId="LiveId" clId="{FD4822B2-D91D-4BAE-8796-2C0AF37C7DD3}" dt="2025-09-16T00:14:29.544" v="541"/>
-          <ac:spMkLst>
-            <pc:docMk/>
-            <pc:sldMk cId="1838090150" sldId="259"/>
-            <ac:spMk id="5" creationId="{5621F1EA-ACED-45DB-E4E6-BB38BDB86480}"/>
           </ac:spMkLst>
         </pc:spChg>
         <pc:spChg chg="add mod">
@@ -504,38 +401,6 @@
             <ac:spMk id="7" creationId="{BB4E29B6-CFF5-23E3-03DD-0621BDD86881}"/>
           </ac:spMkLst>
         </pc:spChg>
-        <pc:spChg chg="add del mod">
-          <ac:chgData name="咲良 城﨑" userId="2978246415e9743d" providerId="LiveId" clId="{FD4822B2-D91D-4BAE-8796-2C0AF37C7DD3}" dt="2025-09-16T11:11:10.870" v="2347"/>
-          <ac:spMkLst>
-            <pc:docMk/>
-            <pc:sldMk cId="1838090150" sldId="259"/>
-            <ac:spMk id="9" creationId="{A43E9A90-479F-B2F1-87A8-54D054392E00}"/>
-          </ac:spMkLst>
-        </pc:spChg>
-        <pc:spChg chg="add del">
-          <ac:chgData name="咲良 城﨑" userId="2978246415e9743d" providerId="LiveId" clId="{FD4822B2-D91D-4BAE-8796-2C0AF37C7DD3}" dt="2025-09-16T11:10:01.194" v="2325" actId="11529"/>
-          <ac:spMkLst>
-            <pc:docMk/>
-            <pc:sldMk cId="1838090150" sldId="259"/>
-            <ac:spMk id="10" creationId="{06088017-CD81-AF23-7B88-9C6F67D59759}"/>
-          </ac:spMkLst>
-        </pc:spChg>
-        <pc:spChg chg="add del mod">
-          <ac:chgData name="咲良 城﨑" userId="2978246415e9743d" providerId="LiveId" clId="{FD4822B2-D91D-4BAE-8796-2C0AF37C7DD3}" dt="2025-09-16T11:11:10.870" v="2347"/>
-          <ac:spMkLst>
-            <pc:docMk/>
-            <pc:sldMk cId="1838090150" sldId="259"/>
-            <ac:spMk id="11" creationId="{7D832FE2-BE38-98F5-E444-83326D0756CC}"/>
-          </ac:spMkLst>
-        </pc:spChg>
-        <pc:spChg chg="mod">
-          <ac:chgData name="咲良 城﨑" userId="2978246415e9743d" providerId="LiveId" clId="{FD4822B2-D91D-4BAE-8796-2C0AF37C7DD3}" dt="2025-09-16T11:26:36.188" v="2373" actId="207"/>
-          <ac:spMkLst>
-            <pc:docMk/>
-            <pc:sldMk cId="1838090150" sldId="259"/>
-            <ac:spMk id="12" creationId="{7BC91A4C-1C17-8FB6-81E4-A56A5186E3F5}"/>
-          </ac:spMkLst>
-        </pc:spChg>
         <pc:picChg chg="add mod modCrop">
           <ac:chgData name="咲良 城﨑" userId="2978246415e9743d" providerId="LiveId" clId="{FD4822B2-D91D-4BAE-8796-2C0AF37C7DD3}" dt="2025-09-16T11:08:53.339" v="2312" actId="1076"/>
           <ac:picMkLst>
@@ -551,38 +416,6 @@
           <pc:docMk/>
           <pc:sldMk cId="3067940533" sldId="260"/>
         </pc:sldMkLst>
-        <pc:spChg chg="del">
-          <ac:chgData name="咲良 城﨑" userId="2978246415e9743d" providerId="LiveId" clId="{FD4822B2-D91D-4BAE-8796-2C0AF37C7DD3}" dt="2025-09-16T00:15:43.737" v="599" actId="478"/>
-          <ac:spMkLst>
-            <pc:docMk/>
-            <pc:sldMk cId="3067940533" sldId="260"/>
-            <ac:spMk id="2" creationId="{DA74B4CA-72C9-39A3-FB20-FB958A2D0DC3}"/>
-          </ac:spMkLst>
-        </pc:spChg>
-        <pc:spChg chg="del">
-          <ac:chgData name="咲良 城﨑" userId="2978246415e9743d" providerId="LiveId" clId="{FD4822B2-D91D-4BAE-8796-2C0AF37C7DD3}" dt="2025-09-16T00:15:43.737" v="599" actId="478"/>
-          <ac:spMkLst>
-            <pc:docMk/>
-            <pc:sldMk cId="3067940533" sldId="260"/>
-            <ac:spMk id="3" creationId="{ECF97606-5648-5AB5-ADA3-803398B34061}"/>
-          </ac:spMkLst>
-        </pc:spChg>
-        <pc:spChg chg="add mod">
-          <ac:chgData name="咲良 城﨑" userId="2978246415e9743d" providerId="LiveId" clId="{FD4822B2-D91D-4BAE-8796-2C0AF37C7DD3}" dt="2025-09-16T00:16:27.815" v="609" actId="767"/>
-          <ac:spMkLst>
-            <pc:docMk/>
-            <pc:sldMk cId="3067940533" sldId="260"/>
-            <ac:spMk id="4" creationId="{54C801DC-C9CC-0719-1E67-2D228BF309E4}"/>
-          </ac:spMkLst>
-        </pc:spChg>
-        <pc:spChg chg="add del">
-          <ac:chgData name="咲良 城﨑" userId="2978246415e9743d" providerId="LiveId" clId="{FD4822B2-D91D-4BAE-8796-2C0AF37C7DD3}" dt="2025-09-16T04:59:02.778" v="923" actId="22"/>
-          <ac:spMkLst>
-            <pc:docMk/>
-            <pc:sldMk cId="3067940533" sldId="260"/>
-            <ac:spMk id="6" creationId="{76CC3847-001B-2609-9F22-60B2CB463218}"/>
-          </ac:spMkLst>
-        </pc:spChg>
         <pc:spChg chg="add mod">
           <ac:chgData name="咲良 城﨑" userId="2978246415e9743d" providerId="LiveId" clId="{FD4822B2-D91D-4BAE-8796-2C0AF37C7DD3}" dt="2025-09-16T11:34:14.718" v="2408" actId="12788"/>
           <ac:spMkLst>
@@ -591,28 +424,12 @@
             <ac:spMk id="7" creationId="{C173E40E-5851-E895-7548-ADE88561A0B2}"/>
           </ac:spMkLst>
         </pc:spChg>
-        <pc:spChg chg="add del mod">
-          <ac:chgData name="咲良 城﨑" userId="2978246415e9743d" providerId="LiveId" clId="{FD4822B2-D91D-4BAE-8796-2C0AF37C7DD3}" dt="2025-09-16T05:05:21.347" v="999" actId="478"/>
-          <ac:spMkLst>
-            <pc:docMk/>
-            <pc:sldMk cId="3067940533" sldId="260"/>
-            <ac:spMk id="8" creationId="{43B16EB4-5603-DF8E-657C-13BE31F64CCE}"/>
-          </ac:spMkLst>
-        </pc:spChg>
         <pc:spChg chg="add mod">
           <ac:chgData name="咲良 城﨑" userId="2978246415e9743d" providerId="LiveId" clId="{FD4822B2-D91D-4BAE-8796-2C0AF37C7DD3}" dt="2025-09-16T10:22:16.242" v="2154" actId="207"/>
           <ac:spMkLst>
             <pc:docMk/>
             <pc:sldMk cId="3067940533" sldId="260"/>
             <ac:spMk id="9" creationId="{17B75286-5E61-69EE-23EA-EEC3BEF00263}"/>
-          </ac:spMkLst>
-        </pc:spChg>
-        <pc:spChg chg="add del">
-          <ac:chgData name="咲良 城﨑" userId="2978246415e9743d" providerId="LiveId" clId="{FD4822B2-D91D-4BAE-8796-2C0AF37C7DD3}" dt="2025-09-16T05:02:07.433" v="977" actId="22"/>
-          <ac:spMkLst>
-            <pc:docMk/>
-            <pc:sldMk cId="3067940533" sldId="260"/>
-            <ac:spMk id="11" creationId="{C22FD475-4685-C11B-E022-8D0966FE324F}"/>
           </ac:spMkLst>
         </pc:spChg>
         <pc:spChg chg="add mod">
@@ -631,30 +448,6 @@
             <ac:spMk id="13" creationId="{08F9F1FB-6353-CCD5-1358-BC8FE600A9C4}"/>
           </ac:spMkLst>
         </pc:spChg>
-        <pc:spChg chg="add del mod">
-          <ac:chgData name="咲良 城﨑" userId="2978246415e9743d" providerId="LiveId" clId="{FD4822B2-D91D-4BAE-8796-2C0AF37C7DD3}" dt="2025-09-16T05:07:20.398" v="1047" actId="478"/>
-          <ac:spMkLst>
-            <pc:docMk/>
-            <pc:sldMk cId="3067940533" sldId="260"/>
-            <ac:spMk id="14" creationId="{572D7534-ABF7-1219-EF8F-4AFFFE8E5D7B}"/>
-          </ac:spMkLst>
-        </pc:spChg>
-        <pc:spChg chg="add del mod">
-          <ac:chgData name="咲良 城﨑" userId="2978246415e9743d" providerId="LiveId" clId="{FD4822B2-D91D-4BAE-8796-2C0AF37C7DD3}" dt="2025-09-16T05:07:21.791" v="1048" actId="478"/>
-          <ac:spMkLst>
-            <pc:docMk/>
-            <pc:sldMk cId="3067940533" sldId="260"/>
-            <ac:spMk id="15" creationId="{3864E060-2435-0D93-2D92-0F6CB489D83B}"/>
-          </ac:spMkLst>
-        </pc:spChg>
-        <pc:spChg chg="add mod">
-          <ac:chgData name="咲良 城﨑" userId="2978246415e9743d" providerId="LiveId" clId="{FD4822B2-D91D-4BAE-8796-2C0AF37C7DD3}" dt="2025-09-16T05:05:24.754" v="1001"/>
-          <ac:spMkLst>
-            <pc:docMk/>
-            <pc:sldMk cId="3067940533" sldId="260"/>
-            <ac:spMk id="16" creationId="{A5C017E1-1521-08A2-96D1-5E7245599CF2}"/>
-          </ac:spMkLst>
-        </pc:spChg>
         <pc:spChg chg="add mod">
           <ac:chgData name="咲良 城﨑" userId="2978246415e9743d" providerId="LiveId" clId="{FD4822B2-D91D-4BAE-8796-2C0AF37C7DD3}" dt="2025-09-17T13:45:08.749" v="2559" actId="14100"/>
           <ac:spMkLst>
@@ -663,60 +456,12 @@
             <ac:spMk id="17" creationId="{8616CAF3-B889-EE47-EB4E-8F49C617B034}"/>
           </ac:spMkLst>
         </pc:spChg>
-        <pc:spChg chg="add del mod">
-          <ac:chgData name="咲良 城﨑" userId="2978246415e9743d" providerId="LiveId" clId="{FD4822B2-D91D-4BAE-8796-2C0AF37C7DD3}" dt="2025-09-16T06:44:17.957" v="1620" actId="478"/>
-          <ac:spMkLst>
-            <pc:docMk/>
-            <pc:sldMk cId="3067940533" sldId="260"/>
-            <ac:spMk id="18" creationId="{527F72BE-0DD7-2197-946E-B28889A41D9B}"/>
-          </ac:spMkLst>
-        </pc:spChg>
-        <pc:spChg chg="add del mod">
-          <ac:chgData name="咲良 城﨑" userId="2978246415e9743d" providerId="LiveId" clId="{FD4822B2-D91D-4BAE-8796-2C0AF37C7DD3}" dt="2025-09-16T06:44:17.957" v="1620" actId="478"/>
-          <ac:spMkLst>
-            <pc:docMk/>
-            <pc:sldMk cId="3067940533" sldId="260"/>
-            <ac:spMk id="19" creationId="{93664BBD-3FD2-1BFF-1908-7E2EE695A6B8}"/>
-          </ac:spMkLst>
-        </pc:spChg>
-        <pc:spChg chg="add del">
-          <ac:chgData name="咲良 城﨑" userId="2978246415e9743d" providerId="LiveId" clId="{FD4822B2-D91D-4BAE-8796-2C0AF37C7DD3}" dt="2025-09-16T06:01:20.964" v="1136" actId="478"/>
-          <ac:spMkLst>
-            <pc:docMk/>
-            <pc:sldMk cId="3067940533" sldId="260"/>
-            <ac:spMk id="20" creationId="{DA3C8C98-2D38-AD05-69A1-4885134BED02}"/>
-          </ac:spMkLst>
-        </pc:spChg>
-        <pc:spChg chg="add del">
-          <ac:chgData name="咲良 城﨑" userId="2978246415e9743d" providerId="LiveId" clId="{FD4822B2-D91D-4BAE-8796-2C0AF37C7DD3}" dt="2025-09-16T06:01:30.337" v="1138" actId="11529"/>
-          <ac:spMkLst>
-            <pc:docMk/>
-            <pc:sldMk cId="3067940533" sldId="260"/>
-            <ac:spMk id="21" creationId="{C7890F86-B80D-9A74-AFDE-7C2A6652C6C0}"/>
-          </ac:spMkLst>
-        </pc:spChg>
-        <pc:spChg chg="add del mod">
-          <ac:chgData name="咲良 城﨑" userId="2978246415e9743d" providerId="LiveId" clId="{FD4822B2-D91D-4BAE-8796-2C0AF37C7DD3}" dt="2025-09-16T06:01:42.861" v="1141" actId="478"/>
-          <ac:spMkLst>
-            <pc:docMk/>
-            <pc:sldMk cId="3067940533" sldId="260"/>
-            <ac:spMk id="22" creationId="{E9D65DFF-174E-7FA6-780B-8D527B73863B}"/>
-          </ac:spMkLst>
-        </pc:spChg>
         <pc:spChg chg="add mod">
           <ac:chgData name="咲良 城﨑" userId="2978246415e9743d" providerId="LiveId" clId="{FD4822B2-D91D-4BAE-8796-2C0AF37C7DD3}" dt="2025-09-16T10:22:16.242" v="2154" actId="207"/>
           <ac:spMkLst>
             <pc:docMk/>
             <pc:sldMk cId="3067940533" sldId="260"/>
             <ac:spMk id="23" creationId="{BE4DC668-D396-0BFF-9443-F885FB12FCE8}"/>
-          </ac:spMkLst>
-        </pc:spChg>
-        <pc:spChg chg="add del mod">
-          <ac:chgData name="咲良 城﨑" userId="2978246415e9743d" providerId="LiveId" clId="{FD4822B2-D91D-4BAE-8796-2C0AF37C7DD3}" dt="2025-09-16T06:44:17.957" v="1620" actId="478"/>
-          <ac:spMkLst>
-            <pc:docMk/>
-            <pc:sldMk cId="3067940533" sldId="260"/>
-            <ac:spMk id="24" creationId="{50200273-36FE-9B77-AAF1-BE0038DD502C}"/>
           </ac:spMkLst>
         </pc:spChg>
         <pc:spChg chg="add mod ord">
@@ -733,22 +478,6 @@
             <pc:docMk/>
             <pc:sldMk cId="3067940533" sldId="260"/>
             <ac:spMk id="26" creationId="{60002DE4-9B8B-1178-A5A2-9D36065C9C9B}"/>
-          </ac:spMkLst>
-        </pc:spChg>
-        <pc:spChg chg="add del mod">
-          <ac:chgData name="咲良 城﨑" userId="2978246415e9743d" providerId="LiveId" clId="{FD4822B2-D91D-4BAE-8796-2C0AF37C7DD3}" dt="2025-09-16T06:36:57.152" v="1603" actId="478"/>
-          <ac:spMkLst>
-            <pc:docMk/>
-            <pc:sldMk cId="3067940533" sldId="260"/>
-            <ac:spMk id="27" creationId="{1F7E8084-BE7A-478D-BA12-662C179C396F}"/>
-          </ac:spMkLst>
-        </pc:spChg>
-        <pc:spChg chg="add del mod ord">
-          <ac:chgData name="咲良 城﨑" userId="2978246415e9743d" providerId="LiveId" clId="{FD4822B2-D91D-4BAE-8796-2C0AF37C7DD3}" dt="2025-09-16T06:44:19.204" v="1621" actId="478"/>
-          <ac:spMkLst>
-            <pc:docMk/>
-            <pc:sldMk cId="3067940533" sldId="260"/>
-            <ac:spMk id="28" creationId="{C7B16042-B43D-CCDA-CCEE-64D24F7937A7}"/>
           </ac:spMkLst>
         </pc:spChg>
         <pc:spChg chg="mod">
@@ -783,30 +512,6 @@
             <ac:spMk id="34" creationId="{70A920BF-CBB7-3771-DB68-156109DBBB2D}"/>
           </ac:spMkLst>
         </pc:spChg>
-        <pc:spChg chg="add del mod">
-          <ac:chgData name="咲良 城﨑" userId="2978246415e9743d" providerId="LiveId" clId="{FD4822B2-D91D-4BAE-8796-2C0AF37C7DD3}" dt="2025-09-16T06:50:25.117" v="1676"/>
-          <ac:spMkLst>
-            <pc:docMk/>
-            <pc:sldMk cId="3067940533" sldId="260"/>
-            <ac:spMk id="35" creationId="{B21F0F01-D5ED-CF1D-2310-862E6C320552}"/>
-          </ac:spMkLst>
-        </pc:spChg>
-        <pc:spChg chg="add del">
-          <ac:chgData name="咲良 城﨑" userId="2978246415e9743d" providerId="LiveId" clId="{FD4822B2-D91D-4BAE-8796-2C0AF37C7DD3}" dt="2025-09-16T06:49:37.501" v="1670" actId="478"/>
-          <ac:spMkLst>
-            <pc:docMk/>
-            <pc:sldMk cId="3067940533" sldId="260"/>
-            <ac:spMk id="36" creationId="{9D19EDDE-B1AD-817C-5592-AF64EDFE0742}"/>
-          </ac:spMkLst>
-        </pc:spChg>
-        <pc:spChg chg="add del mod">
-          <ac:chgData name="咲良 城﨑" userId="2978246415e9743d" providerId="LiveId" clId="{FD4822B2-D91D-4BAE-8796-2C0AF37C7DD3}" dt="2025-09-16T06:50:25.117" v="1676"/>
-          <ac:spMkLst>
-            <pc:docMk/>
-            <pc:sldMk cId="3067940533" sldId="260"/>
-            <ac:spMk id="37" creationId="{F0BF7F7E-08A4-5530-26D1-B0007FB2D0F6}"/>
-          </ac:spMkLst>
-        </pc:spChg>
         <pc:spChg chg="mod">
           <ac:chgData name="咲良 城﨑" userId="2978246415e9743d" providerId="LiveId" clId="{FD4822B2-D91D-4BAE-8796-2C0AF37C7DD3}" dt="2025-09-16T06:50:42.345" v="1679" actId="207"/>
           <ac:spMkLst>
@@ -823,28 +528,12 @@
             <ac:spMk id="39" creationId="{8108EA95-D878-7D51-AC55-6EB937F0E27A}"/>
           </ac:spMkLst>
         </pc:spChg>
-        <pc:spChg chg="add del mod">
-          <ac:chgData name="咲良 城﨑" userId="2978246415e9743d" providerId="LiveId" clId="{FD4822B2-D91D-4BAE-8796-2C0AF37C7DD3}" dt="2025-09-16T07:28:35.430" v="2018" actId="478"/>
-          <ac:spMkLst>
-            <pc:docMk/>
-            <pc:sldMk cId="3067940533" sldId="260"/>
-            <ac:spMk id="40" creationId="{9AB5AB04-187F-8D1E-C9C6-FC1D7E8F96CF}"/>
-          </ac:spMkLst>
-        </pc:spChg>
         <pc:spChg chg="add mod ord">
           <ac:chgData name="咲良 城﨑" userId="2978246415e9743d" providerId="LiveId" clId="{FD4822B2-D91D-4BAE-8796-2C0AF37C7DD3}" dt="2025-09-16T11:33:46.121" v="2402" actId="12788"/>
           <ac:spMkLst>
             <pc:docMk/>
             <pc:sldMk cId="3067940533" sldId="260"/>
             <ac:spMk id="41" creationId="{41227C19-7992-57E4-EA3E-0662EBEAB453}"/>
-          </ac:spMkLst>
-        </pc:spChg>
-        <pc:spChg chg="add del mod">
-          <ac:chgData name="咲良 城﨑" userId="2978246415e9743d" providerId="LiveId" clId="{FD4822B2-D91D-4BAE-8796-2C0AF37C7DD3}" dt="2025-09-16T07:59:09.159" v="2102" actId="478"/>
-          <ac:spMkLst>
-            <pc:docMk/>
-            <pc:sldMk cId="3067940533" sldId="260"/>
-            <ac:spMk id="53" creationId="{ACECD84B-7146-AF53-272B-6B0230A2D559}"/>
           </ac:spMkLst>
         </pc:spChg>
         <pc:grpChg chg="add mod">
@@ -879,14 +568,6 @@
             <ac:grpSpMk id="43" creationId="{3B5EF74C-4AB7-9EA1-7E91-94BEB37F4CEE}"/>
           </ac:grpSpMkLst>
         </pc:grpChg>
-        <pc:picChg chg="add del mod modCrop">
-          <ac:chgData name="咲良 城﨑" userId="2978246415e9743d" providerId="LiveId" clId="{FD4822B2-D91D-4BAE-8796-2C0AF37C7DD3}" dt="2025-09-16T07:36:13.527" v="2066" actId="478"/>
-          <ac:picMkLst>
-            <pc:docMk/>
-            <pc:sldMk cId="3067940533" sldId="260"/>
-            <ac:picMk id="45" creationId="{B7745A56-5C44-13F4-E580-77C46A58E789}"/>
-          </ac:picMkLst>
-        </pc:picChg>
         <pc:picChg chg="add mod">
           <ac:chgData name="咲良 城﨑" userId="2978246415e9743d" providerId="LiveId" clId="{FD4822B2-D91D-4BAE-8796-2C0AF37C7DD3}" dt="2025-09-16T11:35:44.105" v="2413" actId="12789"/>
           <ac:picMkLst>
@@ -901,14 +582,6 @@
             <pc:docMk/>
             <pc:sldMk cId="3067940533" sldId="260"/>
             <ac:picMk id="47" creationId="{A55CAC71-ACB5-5FAE-44EB-D77BF67F83E4}"/>
-          </ac:picMkLst>
-        </pc:picChg>
-        <pc:picChg chg="add del mod">
-          <ac:chgData name="咲良 城﨑" userId="2978246415e9743d" providerId="LiveId" clId="{FD4822B2-D91D-4BAE-8796-2C0AF37C7DD3}" dt="2025-09-16T07:57:17.436" v="2089" actId="478"/>
-          <ac:picMkLst>
-            <pc:docMk/>
-            <pc:sldMk cId="3067940533" sldId="260"/>
-            <ac:picMk id="49" creationId="{E032EC9A-F4B0-ACCA-8E3D-177522211CF9}"/>
           </ac:picMkLst>
         </pc:picChg>
         <pc:picChg chg="add mod">
@@ -934,14 +607,6 @@
           <pc:docMk/>
           <pc:sldMk cId="371821569" sldId="261"/>
         </pc:sldMkLst>
-        <pc:spChg chg="add del mod">
-          <ac:chgData name="咲良 城﨑" userId="2978246415e9743d" providerId="LiveId" clId="{FD4822B2-D91D-4BAE-8796-2C0AF37C7DD3}" dt="2025-09-16T06:50:55.390" v="1680" actId="478"/>
-          <ac:spMkLst>
-            <pc:docMk/>
-            <pc:sldMk cId="371821569" sldId="261"/>
-            <ac:spMk id="2" creationId="{171838D7-BDC0-A952-2372-5238B7070688}"/>
-          </ac:spMkLst>
-        </pc:spChg>
         <pc:spChg chg="add mod ord">
           <ac:chgData name="咲良 城﨑" userId="2978246415e9743d" providerId="LiveId" clId="{FD4822B2-D91D-4BAE-8796-2C0AF37C7DD3}" dt="2025-09-16T06:23:41.507" v="1536" actId="167"/>
           <ac:spMkLst>
@@ -958,30 +623,6 @@
             <ac:spMk id="4" creationId="{8D9FCA83-1B2C-F33A-289D-BD6421788323}"/>
           </ac:spMkLst>
         </pc:spChg>
-        <pc:spChg chg="add del mod">
-          <ac:chgData name="咲良 城﨑" userId="2978246415e9743d" providerId="LiveId" clId="{FD4822B2-D91D-4BAE-8796-2C0AF37C7DD3}" dt="2025-09-16T06:52:29.039" v="1721"/>
-          <ac:spMkLst>
-            <pc:docMk/>
-            <pc:sldMk cId="371821569" sldId="261"/>
-            <ac:spMk id="5" creationId="{5D68DA7B-12AC-C693-D107-3B13C3E2DDC4}"/>
-          </ac:spMkLst>
-        </pc:spChg>
-        <pc:spChg chg="add del">
-          <ac:chgData name="咲良 城﨑" userId="2978246415e9743d" providerId="LiveId" clId="{FD4822B2-D91D-4BAE-8796-2C0AF37C7DD3}" dt="2025-09-16T10:04:12.786" v="2142" actId="478"/>
-          <ac:spMkLst>
-            <pc:docMk/>
-            <pc:sldMk cId="371821569" sldId="261"/>
-            <ac:spMk id="5" creationId="{CFAE24EF-DAAF-92ED-FE98-63D977F5150A}"/>
-          </ac:spMkLst>
-        </pc:spChg>
-        <pc:spChg chg="add del mod">
-          <ac:chgData name="咲良 城﨑" userId="2978246415e9743d" providerId="LiveId" clId="{FD4822B2-D91D-4BAE-8796-2C0AF37C7DD3}" dt="2025-09-16T06:52:29.039" v="1721"/>
-          <ac:spMkLst>
-            <pc:docMk/>
-            <pc:sldMk cId="371821569" sldId="261"/>
-            <ac:spMk id="6" creationId="{36B9D7D5-4E7B-0005-A3AB-C4772E837008}"/>
-          </ac:spMkLst>
-        </pc:spChg>
         <pc:spChg chg="mod">
           <ac:chgData name="咲良 城﨑" userId="2978246415e9743d" providerId="LiveId" clId="{FD4822B2-D91D-4BAE-8796-2C0AF37C7DD3}" dt="2025-09-16T10:09:26.023" v="2148" actId="207"/>
           <ac:spMkLst>
@@ -990,84 +631,12 @@
             <ac:spMk id="7" creationId="{BD82E50D-F9D0-C1E2-AD9F-1690928C3421}"/>
           </ac:spMkLst>
         </pc:spChg>
-        <pc:spChg chg="add mod">
-          <ac:chgData name="咲良 城﨑" userId="2978246415e9743d" providerId="LiveId" clId="{FD4822B2-D91D-4BAE-8796-2C0AF37C7DD3}" dt="2025-09-16T06:58:17.361" v="1783"/>
-          <ac:spMkLst>
-            <pc:docMk/>
-            <pc:sldMk cId="371821569" sldId="261"/>
-            <ac:spMk id="8" creationId="{1C7D3367-C0EB-199B-88F5-70B68AC5EB9C}"/>
-          </ac:spMkLst>
-        </pc:spChg>
-        <pc:spChg chg="add mod">
-          <ac:chgData name="咲良 城﨑" userId="2978246415e9743d" providerId="LiveId" clId="{FD4822B2-D91D-4BAE-8796-2C0AF37C7DD3}" dt="2025-09-16T06:58:39.042" v="1789"/>
-          <ac:spMkLst>
-            <pc:docMk/>
-            <pc:sldMk cId="371821569" sldId="261"/>
-            <ac:spMk id="9" creationId="{6FF5E1CD-45FD-89E6-12A0-C484695BFEC4}"/>
-          </ac:spMkLst>
-        </pc:spChg>
-        <pc:picChg chg="add del mod">
-          <ac:chgData name="咲良 城﨑" userId="2978246415e9743d" providerId="LiveId" clId="{FD4822B2-D91D-4BAE-8796-2C0AF37C7DD3}" dt="2025-09-16T10:04:40.120" v="2146" actId="478"/>
-          <ac:picMkLst>
-            <pc:docMk/>
-            <pc:sldMk cId="371821569" sldId="261"/>
-            <ac:picMk id="8" creationId="{BAC4F1E5-560C-B1DA-5775-954E1B3D27B5}"/>
-          </ac:picMkLst>
-        </pc:picChg>
-        <pc:picChg chg="add del mod">
-          <ac:chgData name="咲良 城﨑" userId="2978246415e9743d" providerId="LiveId" clId="{FD4822B2-D91D-4BAE-8796-2C0AF37C7DD3}" dt="2025-09-16T10:12:26.041" v="2152" actId="478"/>
-          <ac:picMkLst>
-            <pc:docMk/>
-            <pc:sldMk cId="371821569" sldId="261"/>
-            <ac:picMk id="10" creationId="{350B114A-A62F-08F7-3EC5-A7AE103A4ED9}"/>
-          </ac:picMkLst>
-        </pc:picChg>
-        <pc:picChg chg="add del mod">
-          <ac:chgData name="咲良 城﨑" userId="2978246415e9743d" providerId="LiveId" clId="{FD4822B2-D91D-4BAE-8796-2C0AF37C7DD3}" dt="2025-09-16T10:31:04.104" v="2202" actId="478"/>
-          <ac:picMkLst>
-            <pc:docMk/>
-            <pc:sldMk cId="371821569" sldId="261"/>
-            <ac:picMk id="12" creationId="{819A43EB-6BBF-563D-6967-6B492BA0038E}"/>
-          </ac:picMkLst>
-        </pc:picChg>
-        <pc:picChg chg="add del mod">
-          <ac:chgData name="咲良 城﨑" userId="2978246415e9743d" providerId="LiveId" clId="{FD4822B2-D91D-4BAE-8796-2C0AF37C7DD3}" dt="2025-09-16T10:34:03.757" v="2207" actId="478"/>
-          <ac:picMkLst>
-            <pc:docMk/>
-            <pc:sldMk cId="371821569" sldId="261"/>
-            <ac:picMk id="14" creationId="{20B2DB73-3792-6E8C-BB0D-D6127E2D99DE}"/>
-          </ac:picMkLst>
-        </pc:picChg>
         <pc:picChg chg="add mod">
           <ac:chgData name="咲良 城﨑" userId="2978246415e9743d" providerId="LiveId" clId="{FD4822B2-D91D-4BAE-8796-2C0AF37C7DD3}" dt="2025-09-17T13:50:04.491" v="2560" actId="1076"/>
           <ac:picMkLst>
             <pc:docMk/>
             <pc:sldMk cId="371821569" sldId="261"/>
             <ac:picMk id="16" creationId="{8116D6BB-C166-CA02-E91C-A4D5E452C0F1}"/>
-          </ac:picMkLst>
-        </pc:picChg>
-        <pc:picChg chg="add del mod">
-          <ac:chgData name="咲良 城﨑" userId="2978246415e9743d" providerId="LiveId" clId="{FD4822B2-D91D-4BAE-8796-2C0AF37C7DD3}" dt="2025-09-17T13:51:45.408" v="2569" actId="478"/>
-          <ac:picMkLst>
-            <pc:docMk/>
-            <pc:sldMk cId="371821569" sldId="261"/>
-            <ac:picMk id="18" creationId="{141ED338-DBDA-AD69-E144-F2786A9B16F8}"/>
-          </ac:picMkLst>
-        </pc:picChg>
-        <pc:picChg chg="add del">
-          <ac:chgData name="咲良 城﨑" userId="2978246415e9743d" providerId="LiveId" clId="{FD4822B2-D91D-4BAE-8796-2C0AF37C7DD3}" dt="2025-09-17T13:51:42.934" v="2568" actId="22"/>
-          <ac:picMkLst>
-            <pc:docMk/>
-            <pc:sldMk cId="371821569" sldId="261"/>
-            <ac:picMk id="20" creationId="{686B092F-C638-BCA3-9B0B-C82B9D8DC595}"/>
-          </ac:picMkLst>
-        </pc:picChg>
-        <pc:picChg chg="add del mod">
-          <ac:chgData name="咲良 城﨑" userId="2978246415e9743d" providerId="LiveId" clId="{FD4822B2-D91D-4BAE-8796-2C0AF37C7DD3}" dt="2025-09-17T13:52:42.935" v="2575" actId="478"/>
-          <ac:picMkLst>
-            <pc:docMk/>
-            <pc:sldMk cId="371821569" sldId="261"/>
-            <ac:picMk id="22" creationId="{0F5E60B8-3CFA-DCF0-71BF-ABC5F369E28C}"/>
           </ac:picMkLst>
         </pc:picChg>
         <pc:picChg chg="add mod">
@@ -1085,30 +654,6 @@
           <pc:docMk/>
           <pc:sldMk cId="2741888667" sldId="262"/>
         </pc:sldMkLst>
-        <pc:spChg chg="add del mod">
-          <ac:chgData name="咲良 城﨑" userId="2978246415e9743d" providerId="LiveId" clId="{FD4822B2-D91D-4BAE-8796-2C0AF37C7DD3}" dt="2025-09-16T11:26:33.178" v="2371"/>
-          <ac:spMkLst>
-            <pc:docMk/>
-            <pc:sldMk cId="2741888667" sldId="262"/>
-            <ac:spMk id="2" creationId="{40DE0F87-FEF4-B0CC-BA54-F0BBE27CC648}"/>
-          </ac:spMkLst>
-        </pc:spChg>
-        <pc:spChg chg="add del">
-          <ac:chgData name="咲良 城﨑" userId="2978246415e9743d" providerId="LiveId" clId="{FD4822B2-D91D-4BAE-8796-2C0AF37C7DD3}" dt="2025-09-16T06:03:11.527" v="1155" actId="478"/>
-          <ac:spMkLst>
-            <pc:docMk/>
-            <pc:sldMk cId="2741888667" sldId="262"/>
-            <ac:spMk id="3" creationId="{93BB7D01-3025-742D-708C-C8AD198B7D02}"/>
-          </ac:spMkLst>
-        </pc:spChg>
-        <pc:spChg chg="mod">
-          <ac:chgData name="咲良 城﨑" userId="2978246415e9743d" providerId="LiveId" clId="{FD4822B2-D91D-4BAE-8796-2C0AF37C7DD3}" dt="2025-09-16T11:24:43.575" v="2357"/>
-          <ac:spMkLst>
-            <pc:docMk/>
-            <pc:sldMk cId="2741888667" sldId="262"/>
-            <ac:spMk id="3" creationId="{F53B98CB-DD79-D718-1358-BCD7E3AF50A9}"/>
-          </ac:spMkLst>
-        </pc:spChg>
         <pc:spChg chg="add del mod">
           <ac:chgData name="咲良 城﨑" userId="2978246415e9743d" providerId="LiveId" clId="{FD4822B2-D91D-4BAE-8796-2C0AF37C7DD3}" dt="2025-09-16T11:26:29.466" v="2365"/>
           <ac:spMkLst>
@@ -1134,83 +679,11 @@
           </ac:spMkLst>
         </pc:spChg>
         <pc:spChg chg="mod">
-          <ac:chgData name="咲良 城﨑" userId="2978246415e9743d" providerId="LiveId" clId="{FD4822B2-D91D-4BAE-8796-2C0AF37C7DD3}" dt="2025-09-16T11:26:29.466" v="2365"/>
-          <ac:spMkLst>
-            <pc:docMk/>
-            <pc:sldMk cId="2741888667" sldId="262"/>
-            <ac:spMk id="7" creationId="{26517E1F-07CF-A971-9175-AB2118C84471}"/>
-          </ac:spMkLst>
-        </pc:spChg>
-        <pc:spChg chg="add del mod">
-          <ac:chgData name="咲良 城﨑" userId="2978246415e9743d" providerId="LiveId" clId="{FD4822B2-D91D-4BAE-8796-2C0AF37C7DD3}" dt="2025-09-16T06:30:45.675" v="1555"/>
-          <ac:spMkLst>
-            <pc:docMk/>
-            <pc:sldMk cId="2741888667" sldId="262"/>
-            <ac:spMk id="7" creationId="{F170CF6F-C38C-6FA2-ADDF-555171689299}"/>
-          </ac:spMkLst>
-        </pc:spChg>
-        <pc:spChg chg="add del mod">
-          <ac:chgData name="咲良 城﨑" userId="2978246415e9743d" providerId="LiveId" clId="{FD4822B2-D91D-4BAE-8796-2C0AF37C7DD3}" dt="2025-09-16T06:30:45.675" v="1555"/>
-          <ac:spMkLst>
-            <pc:docMk/>
-            <pc:sldMk cId="2741888667" sldId="262"/>
-            <ac:spMk id="8" creationId="{E4FE7125-6DB7-E037-FC5D-1B10D73CBA64}"/>
-          </ac:spMkLst>
-        </pc:spChg>
-        <pc:spChg chg="add del mod">
-          <ac:chgData name="咲良 城﨑" userId="2978246415e9743d" providerId="LiveId" clId="{FD4822B2-D91D-4BAE-8796-2C0AF37C7DD3}" dt="2025-09-16T06:32:05.143" v="1565"/>
-          <ac:spMkLst>
-            <pc:docMk/>
-            <pc:sldMk cId="2741888667" sldId="262"/>
-            <ac:spMk id="9" creationId="{71589434-C68A-C191-C2B1-029AD5EE3490}"/>
-          </ac:spMkLst>
-        </pc:spChg>
-        <pc:spChg chg="mod">
-          <ac:chgData name="咲良 城﨑" userId="2978246415e9743d" providerId="LiveId" clId="{FD4822B2-D91D-4BAE-8796-2C0AF37C7DD3}" dt="2025-09-16T06:30:25.970" v="1551"/>
-          <ac:spMkLst>
-            <pc:docMk/>
-            <pc:sldMk cId="2741888667" sldId="262"/>
-            <ac:spMk id="10" creationId="{A0BB3492-D44B-10ED-E155-4EFE64703839}"/>
-          </ac:spMkLst>
-        </pc:spChg>
-        <pc:spChg chg="mod">
           <ac:chgData name="咲良 城﨑" userId="2978246415e9743d" providerId="LiveId" clId="{FD4822B2-D91D-4BAE-8796-2C0AF37C7DD3}" dt="2025-09-16T07:05:07.802" v="1900" actId="1037"/>
           <ac:spMkLst>
             <pc:docMk/>
             <pc:sldMk cId="2741888667" sldId="262"/>
             <ac:spMk id="11" creationId="{FF5016DE-E1AB-B1E0-3C37-84BFC9385132}"/>
-          </ac:spMkLst>
-        </pc:spChg>
-        <pc:spChg chg="add del mod">
-          <ac:chgData name="咲良 城﨑" userId="2978246415e9743d" providerId="LiveId" clId="{FD4822B2-D91D-4BAE-8796-2C0AF37C7DD3}" dt="2025-09-16T06:32:05.143" v="1565"/>
-          <ac:spMkLst>
-            <pc:docMk/>
-            <pc:sldMk cId="2741888667" sldId="262"/>
-            <ac:spMk id="12" creationId="{8855872F-11EE-4CD1-6DFA-1491DC09CCA5}"/>
-          </ac:spMkLst>
-        </pc:spChg>
-        <pc:spChg chg="del mod">
-          <ac:chgData name="咲良 城﨑" userId="2978246415e9743d" providerId="LiveId" clId="{FD4822B2-D91D-4BAE-8796-2C0AF37C7DD3}" dt="2025-09-16T07:05:56.200" v="1918" actId="478"/>
-          <ac:spMkLst>
-            <pc:docMk/>
-            <pc:sldMk cId="2741888667" sldId="262"/>
-            <ac:spMk id="13" creationId="{659AA22C-1D3A-65D7-3691-7620E8F6A869}"/>
-          </ac:spMkLst>
-        </pc:spChg>
-        <pc:spChg chg="add del mod">
-          <ac:chgData name="咲良 城﨑" userId="2978246415e9743d" providerId="LiveId" clId="{FD4822B2-D91D-4BAE-8796-2C0AF37C7DD3}" dt="2025-09-16T07:08:26.967" v="1944"/>
-          <ac:spMkLst>
-            <pc:docMk/>
-            <pc:sldMk cId="2741888667" sldId="262"/>
-            <ac:spMk id="14" creationId="{6C838C2A-F885-52D1-202B-12447CF273D5}"/>
-          </ac:spMkLst>
-        </pc:spChg>
-        <pc:spChg chg="add del mod">
-          <ac:chgData name="咲良 城﨑" userId="2978246415e9743d" providerId="LiveId" clId="{FD4822B2-D91D-4BAE-8796-2C0AF37C7DD3}" dt="2025-09-16T07:08:26.967" v="1944"/>
-          <ac:spMkLst>
-            <pc:docMk/>
-            <pc:sldMk cId="2741888667" sldId="262"/>
-            <ac:spMk id="15" creationId="{3A4C47E0-A1F2-855D-3788-9AC42EC2D0C1}"/>
           </ac:spMkLst>
         </pc:spChg>
         <pc:spChg chg="mod">
@@ -1244,22 +717,6 @@
             <ac:spMk id="3" creationId="{70FB2318-3F5A-6A4B-22CB-17D23C8335B1}"/>
           </ac:spMkLst>
         </pc:spChg>
-        <pc:spChg chg="add mod">
-          <ac:chgData name="咲良 城﨑" userId="2978246415e9743d" providerId="LiveId" clId="{FD4822B2-D91D-4BAE-8796-2C0AF37C7DD3}" dt="2025-09-16T11:37:07.826" v="2494" actId="20577"/>
-          <ac:spMkLst>
-            <pc:docMk/>
-            <pc:sldMk cId="3350259774" sldId="263"/>
-            <ac:spMk id="4" creationId="{5096B489-C859-0DBA-6138-1B2340EC9833}"/>
-          </ac:spMkLst>
-        </pc:spChg>
-        <pc:spChg chg="add mod">
-          <ac:chgData name="咲良 城﨑" userId="2978246415e9743d" providerId="LiveId" clId="{FD4822B2-D91D-4BAE-8796-2C0AF37C7DD3}" dt="2025-09-16T11:36:44.794" v="2430" actId="767"/>
-          <ac:spMkLst>
-            <pc:docMk/>
-            <pc:sldMk cId="3350259774" sldId="263"/>
-            <ac:spMk id="5" creationId="{6C9050CA-1F4D-949B-2720-92FEAB378DA4}"/>
-          </ac:spMkLst>
-        </pc:spChg>
         <pc:spChg chg="mod">
           <ac:chgData name="咲良 城﨑" userId="2978246415e9743d" providerId="LiveId" clId="{FD4822B2-D91D-4BAE-8796-2C0AF37C7DD3}" dt="2025-09-17T13:53:21.870" v="2583" actId="1076"/>
           <ac:spMkLst>
@@ -1275,14 +732,6 @@
           <pc:docMk/>
           <pc:sldMk cId="1448649864" sldId="264"/>
         </pc:sldMkLst>
-        <pc:spChg chg="add del mod">
-          <ac:chgData name="咲良 城﨑" userId="2978246415e9743d" providerId="LiveId" clId="{FD4822B2-D91D-4BAE-8796-2C0AF37C7DD3}" dt="2025-09-16T06:12:42.323" v="1306" actId="478"/>
-          <ac:spMkLst>
-            <pc:docMk/>
-            <pc:sldMk cId="1448649864" sldId="264"/>
-            <ac:spMk id="2" creationId="{6410B883-FCE1-14DE-57FB-55BEA9CFACC5}"/>
-          </ac:spMkLst>
-        </pc:spChg>
         <pc:spChg chg="add mod">
           <ac:chgData name="咲良 城﨑" userId="2978246415e9743d" providerId="LiveId" clId="{FD4822B2-D91D-4BAE-8796-2C0AF37C7DD3}" dt="2025-09-16T07:25:50.348" v="1958" actId="113"/>
           <ac:spMkLst>
@@ -1307,14 +756,6 @@
             <ac:spMk id="5" creationId="{EE8F5C22-F0BD-2060-E7A4-77E9F56669E4}"/>
           </ac:spMkLst>
         </pc:spChg>
-        <pc:spChg chg="add del mod">
-          <ac:chgData name="咲良 城﨑" userId="2978246415e9743d" providerId="LiveId" clId="{FD4822B2-D91D-4BAE-8796-2C0AF37C7DD3}" dt="2025-09-16T06:58:31.958" v="1788"/>
-          <ac:spMkLst>
-            <pc:docMk/>
-            <pc:sldMk cId="1448649864" sldId="264"/>
-            <ac:spMk id="6" creationId="{1078669C-BC6B-1DD4-E62E-C03DC6A201B8}"/>
-          </ac:spMkLst>
-        </pc:spChg>
         <pc:spChg chg="add mod ord">
           <ac:chgData name="咲良 城﨑" userId="2978246415e9743d" providerId="LiveId" clId="{FD4822B2-D91D-4BAE-8796-2C0AF37C7DD3}" dt="2025-09-16T06:58:24.444" v="1785" actId="167"/>
           <ac:spMkLst>
@@ -1329,22 +770,6 @@
             <pc:docMk/>
             <pc:sldMk cId="1448649864" sldId="264"/>
             <ac:spMk id="8" creationId="{467EDB8A-AC5C-FEE0-63C6-C7219E47E09C}"/>
-          </ac:spMkLst>
-        </pc:spChg>
-        <pc:spChg chg="add del mod">
-          <ac:chgData name="咲良 城﨑" userId="2978246415e9743d" providerId="LiveId" clId="{FD4822B2-D91D-4BAE-8796-2C0AF37C7DD3}" dt="2025-09-16T07:02:07.224" v="1839"/>
-          <ac:spMkLst>
-            <pc:docMk/>
-            <pc:sldMk cId="1448649864" sldId="264"/>
-            <ac:spMk id="9" creationId="{AC6A39AF-3EF6-0D5D-F7EE-25D8A98ABA0E}"/>
-          </ac:spMkLst>
-        </pc:spChg>
-        <pc:spChg chg="add del mod">
-          <ac:chgData name="咲良 城﨑" userId="2978246415e9743d" providerId="LiveId" clId="{FD4822B2-D91D-4BAE-8796-2C0AF37C7DD3}" dt="2025-09-16T07:02:07.224" v="1839"/>
-          <ac:spMkLst>
-            <pc:docMk/>
-            <pc:sldMk cId="1448649864" sldId="264"/>
-            <ac:spMk id="10" creationId="{1E3AD5CF-D50E-BD31-F24F-0BE7C9F7CFA0}"/>
           </ac:spMkLst>
         </pc:spChg>
         <pc:spChg chg="mod">
@@ -1433,22 +858,6 @@
             <ac:spMk id="4" creationId="{F93101BC-5E94-86D3-4486-38F06B49C6D7}"/>
           </ac:spMkLst>
         </pc:spChg>
-        <pc:spChg chg="add del">
-          <ac:chgData name="咲良 城﨑" userId="2978246415e9743d" providerId="LiveId" clId="{FD4822B2-D91D-4BAE-8796-2C0AF37C7DD3}" dt="2025-09-16T00:22:02.689" v="722" actId="478"/>
-          <ac:spMkLst>
-            <pc:docMk/>
-            <pc:sldMk cId="2929467807" sldId="266"/>
-            <ac:spMk id="5" creationId="{D9D8C3B5-09D8-7302-C7A6-3690959AEBEB}"/>
-          </ac:spMkLst>
-        </pc:spChg>
-        <pc:spChg chg="add mod topLvl">
-          <ac:chgData name="咲良 城﨑" userId="2978246415e9743d" providerId="LiveId" clId="{FD4822B2-D91D-4BAE-8796-2C0AF37C7DD3}" dt="2025-09-16T10:48:25.372" v="2219" actId="1076"/>
-          <ac:spMkLst>
-            <pc:docMk/>
-            <pc:sldMk cId="2929467807" sldId="266"/>
-            <ac:spMk id="6" creationId="{B08451D2-ADBE-1F7B-E074-5D24DAA2EDDA}"/>
-          </ac:spMkLst>
-        </pc:spChg>
         <pc:spChg chg="add mod">
           <ac:chgData name="咲良 城﨑" userId="2978246415e9743d" providerId="LiveId" clId="{FD4822B2-D91D-4BAE-8796-2C0AF37C7DD3}" dt="2025-09-16T10:48:48.257" v="2225" actId="207"/>
           <ac:spMkLst>
@@ -1465,14 +874,6 @@
             <ac:spMk id="8" creationId="{8D3CCEEC-98AC-C424-17DE-C6E64D169CB3}"/>
           </ac:spMkLst>
         </pc:spChg>
-        <pc:grpChg chg="add del mod">
-          <ac:chgData name="咲良 城﨑" userId="2978246415e9743d" providerId="LiveId" clId="{FD4822B2-D91D-4BAE-8796-2C0AF37C7DD3}" dt="2025-09-16T10:48:14.191" v="2216" actId="165"/>
-          <ac:grpSpMkLst>
-            <pc:docMk/>
-            <pc:sldMk cId="2929467807" sldId="266"/>
-            <ac:grpSpMk id="9" creationId="{1C30D64E-C612-891D-A31B-9B1AD7EB22EE}"/>
-          </ac:grpSpMkLst>
-        </pc:grpChg>
       </pc:sldChg>
       <pc:sldMasterChg chg="setBg modSldLayout">
         <pc:chgData name="咲良 城﨑" userId="2978246415e9743d" providerId="LiveId" clId="{FD4822B2-D91D-4BAE-8796-2C0AF37C7DD3}" dt="2025-09-16T06:19:44.350" v="1478"/>
@@ -1607,14 +1008,6 @@
             <ac:spMk id="6" creationId="{938260AC-FDEB-3819-E6A2-6980C1780059}"/>
           </ac:spMkLst>
         </pc:spChg>
-        <pc:spChg chg="del">
-          <ac:chgData name="ゲスト ユーザー" userId="" providerId="Windows Live" clId="Web-{18A3A496-010A-D119-6C76-571E53910C86}" dt="2025-09-17T12:55:54.580" v="175"/>
-          <ac:spMkLst>
-            <pc:docMk/>
-            <pc:sldMk cId="1838090150" sldId="259"/>
-            <ac:spMk id="12" creationId="{7BC91A4C-1C17-8FB6-81E4-A56A5186E3F5}"/>
-          </ac:spMkLst>
-        </pc:spChg>
       </pc:sldChg>
       <pc:sldChg chg="addSp delSp modSp">
         <pc:chgData name="ゲスト ユーザー" userId="" providerId="Windows Live" clId="Web-{18A3A496-010A-D119-6C76-571E53910C86}" dt="2025-09-17T11:58:59.334" v="129" actId="1076"/>
@@ -1622,14 +1015,6 @@
           <pc:docMk/>
           <pc:sldMk cId="3350259774" sldId="263"/>
         </pc:sldMkLst>
-        <pc:spChg chg="del">
-          <ac:chgData name="ゲスト ユーザー" userId="" providerId="Windows Live" clId="Web-{18A3A496-010A-D119-6C76-571E53910C86}" dt="2025-09-17T11:54:39.924" v="49"/>
-          <ac:spMkLst>
-            <pc:docMk/>
-            <pc:sldMk cId="3350259774" sldId="263"/>
-            <ac:spMk id="4" creationId="{5096B489-C859-0DBA-6138-1B2340EC9833}"/>
-          </ac:spMkLst>
-        </pc:spChg>
         <pc:spChg chg="add mod">
           <ac:chgData name="ゲスト ユーザー" userId="" providerId="Windows Live" clId="Web-{18A3A496-010A-D119-6C76-571E53910C86}" dt="2025-09-17T11:58:59.334" v="129" actId="1076"/>
           <ac:spMkLst>
@@ -1645,22 +1030,6 @@
           <pc:docMk/>
           <pc:sldMk cId="1275883622" sldId="267"/>
         </pc:sldMkLst>
-        <pc:spChg chg="del">
-          <ac:chgData name="ゲスト ユーザー" userId="" providerId="Windows Live" clId="Web-{18A3A496-010A-D119-6C76-571E53910C86}" dt="2025-09-17T11:47:45.528" v="2"/>
-          <ac:spMkLst>
-            <pc:docMk/>
-            <pc:sldMk cId="1275883622" sldId="267"/>
-            <ac:spMk id="2" creationId="{BA97BA2A-FE70-BE42-401A-BCDE549B3863}"/>
-          </ac:spMkLst>
-        </pc:spChg>
-        <pc:spChg chg="del">
-          <ac:chgData name="ゲスト ユーザー" userId="" providerId="Windows Live" clId="Web-{18A3A496-010A-D119-6C76-571E53910C86}" dt="2025-09-17T11:48:19.374" v="5"/>
-          <ac:spMkLst>
-            <pc:docMk/>
-            <pc:sldMk cId="1275883622" sldId="267"/>
-            <ac:spMk id="3" creationId="{F70920A3-7434-E2FE-2FCB-1FD83831D483}"/>
-          </ac:spMkLst>
-        </pc:spChg>
         <pc:spChg chg="add mod">
           <ac:chgData name="ゲスト ユーザー" userId="" providerId="Windows Live" clId="Web-{18A3A496-010A-D119-6C76-571E53910C86}" dt="2025-09-17T11:48:33.643" v="7" actId="1076"/>
           <ac:spMkLst>
@@ -1677,6 +1046,30 @@
             <ac:spMk id="7" creationId="{26F00D3D-0311-658C-E44D-A28BFCDDB402}"/>
           </ac:spMkLst>
         </pc:spChg>
+      </pc:sldChg>
+    </pc:docChg>
+  </pc:docChgLst>
+  <pc:docChgLst>
+    <pc:chgData name="ゲスト ユーザー" providerId="Windows Live" clId="Web-{087DE93F-2EDA-E87F-A1AE-26AFCBC918E9}"/>
+    <pc:docChg chg="modSld">
+      <pc:chgData name="ゲスト ユーザー" userId="" providerId="Windows Live" clId="Web-{087DE93F-2EDA-E87F-A1AE-26AFCBC918E9}" dt="2025-09-19T01:25:04.106" v="3"/>
+      <pc:docMkLst>
+        <pc:docMk/>
+      </pc:docMkLst>
+      <pc:sldChg chg="modSp">
+        <pc:chgData name="ゲスト ユーザー" userId="" providerId="Windows Live" clId="Web-{087DE93F-2EDA-E87F-A1AE-26AFCBC918E9}" dt="2025-09-19T01:25:04.106" v="3"/>
+        <pc:sldMkLst>
+          <pc:docMk/>
+          <pc:sldMk cId="371821569" sldId="261"/>
+        </pc:sldMkLst>
+        <pc:picChg chg="mod modCrop">
+          <ac:chgData name="ゲスト ユーザー" userId="" providerId="Windows Live" clId="Web-{087DE93F-2EDA-E87F-A1AE-26AFCBC918E9}" dt="2025-09-19T01:25:04.106" v="3"/>
+          <ac:picMkLst>
+            <pc:docMk/>
+            <pc:sldMk cId="371821569" sldId="261"/>
+            <ac:picMk id="24" creationId="{C879565E-298A-4BAF-ECE8-2C0F36FEAF70}"/>
+          </ac:picMkLst>
+        </pc:picChg>
       </pc:sldChg>
     </pc:docChg>
   </pc:docChgLst>
@@ -1765,7 +1158,7 @@
           <a:p>
             <a:fld id="{7BFA86AA-3D4C-42FD-812F-2F906E4AEF7B}" type="datetimeFigureOut">
               <a:rPr kumimoji="1" lang="ja-JP" altLang="en-US" smtClean="0"/>
-              <a:t>2025/9/17</a:t>
+              <a:t>2025/9/18</a:t>
             </a:fld>
             <a:endParaRPr kumimoji="1" lang="ja-JP" altLang="en-US"/>
           </a:p>
@@ -2295,7 +1688,7 @@
           <a:p>
             <a:fld id="{2184E8D4-73D9-4385-ACB2-C55AB63A1420}" type="datetimeFigureOut">
               <a:rPr kumimoji="1" lang="ja-JP" altLang="en-US" smtClean="0"/>
-              <a:t>2025/9/17</a:t>
+              <a:t>2025/9/18</a:t>
             </a:fld>
             <a:endParaRPr kumimoji="1" lang="ja-JP" altLang="en-US"/>
           </a:p>
@@ -2525,7 +1918,7 @@
           <a:p>
             <a:fld id="{2184E8D4-73D9-4385-ACB2-C55AB63A1420}" type="datetimeFigureOut">
               <a:rPr kumimoji="1" lang="ja-JP" altLang="en-US" smtClean="0"/>
-              <a:t>2025/9/17</a:t>
+              <a:t>2025/9/18</a:t>
             </a:fld>
             <a:endParaRPr kumimoji="1" lang="ja-JP" altLang="en-US"/>
           </a:p>
@@ -2765,7 +2158,7 @@
           <a:p>
             <a:fld id="{2184E8D4-73D9-4385-ACB2-C55AB63A1420}" type="datetimeFigureOut">
               <a:rPr kumimoji="1" lang="ja-JP" altLang="en-US" smtClean="0"/>
-              <a:t>2025/9/17</a:t>
+              <a:t>2025/9/18</a:t>
             </a:fld>
             <a:endParaRPr kumimoji="1" lang="ja-JP" altLang="en-US"/>
           </a:p>
@@ -2995,7 +2388,7 @@
           <a:p>
             <a:fld id="{2184E8D4-73D9-4385-ACB2-C55AB63A1420}" type="datetimeFigureOut">
               <a:rPr kumimoji="1" lang="ja-JP" altLang="en-US" smtClean="0"/>
-              <a:t>2025/9/17</a:t>
+              <a:t>2025/9/18</a:t>
             </a:fld>
             <a:endParaRPr kumimoji="1" lang="ja-JP" altLang="en-US"/>
           </a:p>
@@ -3270,7 +2663,7 @@
           <a:p>
             <a:fld id="{2184E8D4-73D9-4385-ACB2-C55AB63A1420}" type="datetimeFigureOut">
               <a:rPr kumimoji="1" lang="ja-JP" altLang="en-US" smtClean="0"/>
-              <a:t>2025/9/17</a:t>
+              <a:t>2025/9/18</a:t>
             </a:fld>
             <a:endParaRPr kumimoji="1" lang="ja-JP" altLang="en-US"/>
           </a:p>
@@ -3599,7 +2992,7 @@
           <a:p>
             <a:fld id="{2184E8D4-73D9-4385-ACB2-C55AB63A1420}" type="datetimeFigureOut">
               <a:rPr kumimoji="1" lang="ja-JP" altLang="en-US" smtClean="0"/>
-              <a:t>2025/9/17</a:t>
+              <a:t>2025/9/18</a:t>
             </a:fld>
             <a:endParaRPr kumimoji="1" lang="ja-JP" altLang="en-US"/>
           </a:p>
@@ -4075,7 +3468,7 @@
           <a:p>
             <a:fld id="{2184E8D4-73D9-4385-ACB2-C55AB63A1420}" type="datetimeFigureOut">
               <a:rPr kumimoji="1" lang="ja-JP" altLang="en-US" smtClean="0"/>
-              <a:t>2025/9/17</a:t>
+              <a:t>2025/9/18</a:t>
             </a:fld>
             <a:endParaRPr kumimoji="1" lang="ja-JP" altLang="en-US"/>
           </a:p>
@@ -4216,7 +3609,7 @@
           <a:p>
             <a:fld id="{2184E8D4-73D9-4385-ACB2-C55AB63A1420}" type="datetimeFigureOut">
               <a:rPr kumimoji="1" lang="ja-JP" altLang="en-US" smtClean="0"/>
-              <a:t>2025/9/17</a:t>
+              <a:t>2025/9/18</a:t>
             </a:fld>
             <a:endParaRPr kumimoji="1" lang="ja-JP" altLang="en-US"/>
           </a:p>
@@ -4329,7 +3722,7 @@
           <a:p>
             <a:fld id="{2184E8D4-73D9-4385-ACB2-C55AB63A1420}" type="datetimeFigureOut">
               <a:rPr kumimoji="1" lang="ja-JP" altLang="en-US" smtClean="0"/>
-              <a:t>2025/9/17</a:t>
+              <a:t>2025/9/18</a:t>
             </a:fld>
             <a:endParaRPr kumimoji="1" lang="ja-JP" altLang="en-US"/>
           </a:p>
@@ -4672,7 +4065,7 @@
           <a:p>
             <a:fld id="{2184E8D4-73D9-4385-ACB2-C55AB63A1420}" type="datetimeFigureOut">
               <a:rPr kumimoji="1" lang="ja-JP" altLang="en-US" smtClean="0"/>
-              <a:t>2025/9/17</a:t>
+              <a:t>2025/9/18</a:t>
             </a:fld>
             <a:endParaRPr kumimoji="1" lang="ja-JP" altLang="en-US"/>
           </a:p>
@@ -4960,7 +4353,7 @@
           <a:p>
             <a:fld id="{2184E8D4-73D9-4385-ACB2-C55AB63A1420}" type="datetimeFigureOut">
               <a:rPr kumimoji="1" lang="ja-JP" altLang="en-US" smtClean="0"/>
-              <a:t>2025/9/17</a:t>
+              <a:t>2025/9/18</a:t>
             </a:fld>
             <a:endParaRPr kumimoji="1" lang="ja-JP" altLang="en-US"/>
           </a:p>
@@ -5236,7 +4629,7 @@
           <a:p>
             <a:fld id="{2184E8D4-73D9-4385-ACB2-C55AB63A1420}" type="datetimeFigureOut">
               <a:rPr kumimoji="1" lang="ja-JP" altLang="en-US" smtClean="0"/>
-              <a:t>2025/9/17</a:t>
+              <a:t>2025/9/18</a:t>
             </a:fld>
             <a:endParaRPr kumimoji="1" lang="ja-JP" altLang="en-US"/>
           </a:p>

--- a/HACK U 発表用スライド.pptx
+++ b/HACK U 発表用スライド.pptx
@@ -5,7 +5,7 @@
     <p:sldMasterId id="2147483648" r:id="rId1"/>
   </p:sldMasterIdLst>
   <p:notesMasterIdLst>
-    <p:notesMasterId r:id="rId14"/>
+    <p:notesMasterId r:id="rId15"/>
   </p:notesMasterIdLst>
   <p:sldIdLst>
     <p:sldId id="256" r:id="rId2"/>
@@ -14,12 +14,13 @@
     <p:sldId id="259" r:id="rId5"/>
     <p:sldId id="266" r:id="rId6"/>
     <p:sldId id="260" r:id="rId7"/>
-    <p:sldId id="261" r:id="rId8"/>
+    <p:sldId id="268" r:id="rId8"/>
     <p:sldId id="262" r:id="rId9"/>
     <p:sldId id="267" r:id="rId10"/>
     <p:sldId id="263" r:id="rId11"/>
-    <p:sldId id="264" r:id="rId12"/>
-    <p:sldId id="265" r:id="rId13"/>
+    <p:sldId id="261" r:id="rId12"/>
+    <p:sldId id="264" r:id="rId13"/>
+    <p:sldId id="265" r:id="rId14"/>
   </p:sldIdLst>
   <p:sldSz cx="12192000" cy="6858000"/>
   <p:notesSz cx="6858000" cy="9144000"/>
@@ -130,8 +131,7 @@
 <p1510:revInfo xmlns:a="http://schemas.openxmlformats.org/drawingml/2006/main" xmlns:r="http://schemas.openxmlformats.org/officeDocument/2006/relationships" xmlns:p1510="http://schemas.microsoft.com/office/powerpoint/2015/10/main">
   <p1510:revLst>
     <p1510:client id="{087DE93F-2EDA-E87F-A1AE-26AFCBC918E9}" v="4" dt="2025-09-19T01:25:04.106"/>
-    <p1510:client id="{18A3A496-010A-D119-6C76-571E53910C86}" v="254" dt="2025-09-17T12:55:59.799"/>
-    <p1510:client id="{BC4577A5-353A-6D02-0BA1-9BAF83D7D17C}" v="16" dt="2025-09-17T13:40:13.316"/>
+    <p1510:client id="{18A3A496-010A-D119-6C76-571E53910C86}" v="336" dt="2025-09-19T05:31:19.894"/>
     <p1510:client id="{DCFB66F9-4266-4813-9422-B4C94CC152C2}" v="210" dt="2025-09-17T13:53:21.870"/>
   </p1510:revLst>
 </p1510:revInfo>
@@ -140,28 +140,81 @@
 <file path=ppt/changesInfos/changesInfo1.xml><?xml version="1.0" encoding="utf-8"?>
 <pc:chgInfo xmlns:a="http://schemas.openxmlformats.org/drawingml/2006/main" xmlns:r="http://schemas.openxmlformats.org/officeDocument/2006/relationships" xmlns:ac="http://schemas.microsoft.com/office/drawing/2013/main/command" xmlns:pc="http://schemas.microsoft.com/office/powerpoint/2013/main/command">
   <pc:docChgLst>
-    <pc:chgData name="ゲスト ユーザー" providerId="Windows Live" clId="Web-{BC4577A5-353A-6D02-0BA1-9BAF83D7D17C}"/>
-    <pc:docChg chg="modSld">
-      <pc:chgData name="ゲスト ユーザー" userId="" providerId="Windows Live" clId="Web-{BC4577A5-353A-6D02-0BA1-9BAF83D7D17C}" dt="2025-09-17T13:40:13.316" v="12" actId="1076"/>
+    <pc:chgData name="ゲスト ユーザー" providerId="Windows Live" clId="Web-{18A3A496-010A-D119-6C76-571E53910C86}"/>
+    <pc:docChg chg="addSld delSld modSld sldOrd">
+      <pc:chgData name="ゲスト ユーザー" userId="" providerId="Windows Live" clId="Web-{18A3A496-010A-D119-6C76-571E53910C86}" dt="2025-09-19T05:31:19.894" v="247" actId="1076"/>
       <pc:docMkLst>
         <pc:docMk/>
       </pc:docMkLst>
-      <pc:sldChg chg="modSp">
-        <pc:chgData name="ゲスト ユーザー" userId="" providerId="Windows Live" clId="Web-{BC4577A5-353A-6D02-0BA1-9BAF83D7D17C}" dt="2025-09-17T13:32:59.649" v="5" actId="1076"/>
+      <pc:sldChg chg="addSp delSp modSp">
+        <pc:chgData name="ゲスト ユーザー" userId="" providerId="Windows Live" clId="Web-{18A3A496-010A-D119-6C76-571E53910C86}" dt="2025-09-19T05:28:02.804" v="194" actId="1076"/>
+        <pc:sldMkLst>
+          <pc:docMk/>
+          <pc:sldMk cId="1679523147" sldId="256"/>
+        </pc:sldMkLst>
+        <pc:spChg chg="add del mod">
+          <ac:chgData name="ゲスト ユーザー" userId="" providerId="Windows Live" clId="Web-{18A3A496-010A-D119-6C76-571E53910C86}" dt="2025-09-19T05:27:57.897" v="193" actId="1076"/>
+          <ac:spMkLst>
+            <pc:docMk/>
+            <pc:sldMk cId="1679523147" sldId="256"/>
+            <ac:spMk id="6" creationId="{DEFA6DBE-C68E-B5CD-EBBF-B126A3887644}"/>
+          </ac:spMkLst>
+        </pc:spChg>
+        <pc:picChg chg="add del mod">
+          <ac:chgData name="ゲスト ユーザー" userId="" providerId="Windows Live" clId="Web-{18A3A496-010A-D119-6C76-571E53910C86}" dt="2025-09-19T05:23:35.582" v="186"/>
+          <ac:picMkLst>
+            <pc:docMk/>
+            <pc:sldMk cId="1679523147" sldId="256"/>
+            <ac:picMk id="3" creationId="{273AC571-2248-3FAB-2751-53B9F14213D3}"/>
+          </ac:picMkLst>
+        </pc:picChg>
+        <pc:picChg chg="add mod">
+          <ac:chgData name="ゲスト ユーザー" userId="" providerId="Windows Live" clId="Web-{18A3A496-010A-D119-6C76-571E53910C86}" dt="2025-09-19T05:28:02.804" v="194" actId="1076"/>
+          <ac:picMkLst>
+            <pc:docMk/>
+            <pc:sldMk cId="1679523147" sldId="256"/>
+            <ac:picMk id="8" creationId="{7923DBF5-4D8C-6473-7ADD-0FA6D2E4DD94}"/>
+          </ac:picMkLst>
+        </pc:picChg>
+      </pc:sldChg>
+      <pc:sldChg chg="addSp delSp modSp">
+        <pc:chgData name="ゲスト ユーザー" userId="" providerId="Windows Live" clId="Web-{18A3A496-010A-D119-6C76-571E53910C86}" dt="2025-09-19T05:28:44.323" v="199" actId="1076"/>
+        <pc:sldMkLst>
+          <pc:docMk/>
+          <pc:sldMk cId="1838090150" sldId="259"/>
+        </pc:sldMkLst>
+        <pc:spChg chg="mod">
+          <ac:chgData name="ゲスト ユーザー" userId="" providerId="Windows Live" clId="Web-{18A3A496-010A-D119-6C76-571E53910C86}" dt="2025-09-19T05:28:36.931" v="197" actId="1076"/>
+          <ac:spMkLst>
+            <pc:docMk/>
+            <pc:sldMk cId="1838090150" sldId="259"/>
+            <ac:spMk id="6" creationId="{938260AC-FDEB-3819-E6A2-6980C1780059}"/>
+          </ac:spMkLst>
+        </pc:spChg>
+        <pc:picChg chg="add mod">
+          <ac:chgData name="ゲスト ユーザー" userId="" providerId="Windows Live" clId="Web-{18A3A496-010A-D119-6C76-571E53910C86}" dt="2025-09-19T05:28:44.323" v="199" actId="1076"/>
+          <ac:picMkLst>
+            <pc:docMk/>
+            <pc:sldMk cId="1838090150" sldId="259"/>
+            <ac:picMk id="4" creationId="{33134F7F-B0AB-326D-CBE6-E0D8BB792F82}"/>
+          </ac:picMkLst>
+        </pc:picChg>
+      </pc:sldChg>
+      <pc:sldChg chg="ord">
+        <pc:chgData name="ゲスト ユーザー" userId="" providerId="Windows Live" clId="Web-{18A3A496-010A-D119-6C76-571E53910C86}" dt="2025-09-19T05:28:15.773" v="195"/>
+        <pc:sldMkLst>
+          <pc:docMk/>
+          <pc:sldMk cId="371821569" sldId="261"/>
+        </pc:sldMkLst>
+      </pc:sldChg>
+      <pc:sldChg chg="addSp delSp modSp">
+        <pc:chgData name="ゲスト ユーザー" userId="" providerId="Windows Live" clId="Web-{18A3A496-010A-D119-6C76-571E53910C86}" dt="2025-09-17T11:58:59.334" v="129" actId="1076"/>
         <pc:sldMkLst>
           <pc:docMk/>
           <pc:sldMk cId="3350259774" sldId="263"/>
         </pc:sldMkLst>
-        <pc:spChg chg="mod">
-          <ac:chgData name="ゲスト ユーザー" userId="" providerId="Windows Live" clId="Web-{BC4577A5-353A-6D02-0BA1-9BAF83D7D17C}" dt="2025-09-17T13:32:59.633" v="4" actId="1076"/>
-          <ac:spMkLst>
-            <pc:docMk/>
-            <pc:sldMk cId="3350259774" sldId="263"/>
-            <ac:spMk id="3" creationId="{70FB2318-3F5A-6A4B-22CB-17D23C8335B1}"/>
-          </ac:spMkLst>
-        </pc:spChg>
-        <pc:spChg chg="mod">
-          <ac:chgData name="ゲスト ユーザー" userId="" providerId="Windows Live" clId="Web-{BC4577A5-353A-6D02-0BA1-9BAF83D7D17C}" dt="2025-09-17T13:32:59.649" v="5" actId="1076"/>
+        <pc:spChg chg="add mod">
+          <ac:chgData name="ゲスト ユーザー" userId="" providerId="Windows Live" clId="Web-{18A3A496-010A-D119-6C76-571E53910C86}" dt="2025-09-17T11:58:59.334" v="129" actId="1076"/>
           <ac:spMkLst>
             <pc:docMk/>
             <pc:sldMk cId="3350259774" sldId="263"/>
@@ -169,42 +222,113 @@
           </ac:spMkLst>
         </pc:spChg>
       </pc:sldChg>
-      <pc:sldChg chg="modSp">
-        <pc:chgData name="ゲスト ユーザー" userId="" providerId="Windows Live" clId="Web-{BC4577A5-353A-6D02-0BA1-9BAF83D7D17C}" dt="2025-09-17T13:40:13.316" v="12" actId="1076"/>
+      <pc:sldChg chg="addSp delSp modSp new">
+        <pc:chgData name="ゲスト ユーザー" userId="" providerId="Windows Live" clId="Web-{18A3A496-010A-D119-6C76-571E53910C86}" dt="2025-09-17T11:53:33.500" v="48" actId="1076"/>
         <pc:sldMkLst>
           <pc:docMk/>
-          <pc:sldMk cId="1448649864" sldId="264"/>
+          <pc:sldMk cId="1275883622" sldId="267"/>
         </pc:sldMkLst>
-        <pc:spChg chg="mod">
-          <ac:chgData name="ゲスト ユーザー" userId="" providerId="Windows Live" clId="Web-{BC4577A5-353A-6D02-0BA1-9BAF83D7D17C}" dt="2025-09-17T13:39:59.566" v="10" actId="1076"/>
+        <pc:spChg chg="add mod">
+          <ac:chgData name="ゲスト ユーザー" userId="" providerId="Windows Live" clId="Web-{18A3A496-010A-D119-6C76-571E53910C86}" dt="2025-09-17T11:48:33.643" v="7" actId="1076"/>
           <ac:spMkLst>
             <pc:docMk/>
-            <pc:sldMk cId="1448649864" sldId="264"/>
-            <ac:spMk id="11" creationId="{6BC89CF5-DE20-2CEF-579A-17847C9EB805}"/>
+            <pc:sldMk cId="1275883622" sldId="267"/>
+            <ac:spMk id="5" creationId="{0D4EC438-4B1B-003B-D9B4-22EDB37A2B6A}"/>
           </ac:spMkLst>
         </pc:spChg>
-        <pc:grpChg chg="mod">
-          <ac:chgData name="ゲスト ユーザー" userId="" providerId="Windows Live" clId="Web-{BC4577A5-353A-6D02-0BA1-9BAF83D7D17C}" dt="2025-09-17T13:40:13.316" v="12" actId="1076"/>
-          <ac:grpSpMkLst>
+        <pc:spChg chg="add mod">
+          <ac:chgData name="ゲスト ユーザー" userId="" providerId="Windows Live" clId="Web-{18A3A496-010A-D119-6C76-571E53910C86}" dt="2025-09-17T11:53:33.500" v="48" actId="1076"/>
+          <ac:spMkLst>
             <pc:docMk/>
-            <pc:sldMk cId="1448649864" sldId="264"/>
-            <ac:grpSpMk id="12" creationId="{2DCFD97B-3749-B471-76EF-31A5BB6A6E4C}"/>
-          </ac:grpSpMkLst>
-        </pc:grpChg>
+            <pc:sldMk cId="1275883622" sldId="267"/>
+            <ac:spMk id="7" creationId="{26F00D3D-0311-658C-E44D-A28BFCDDB402}"/>
+          </ac:spMkLst>
+        </pc:spChg>
       </pc:sldChg>
-      <pc:sldChg chg="addSp delSp">
-        <pc:chgData name="ゲスト ユーザー" userId="" providerId="Windows Live" clId="Web-{BC4577A5-353A-6D02-0BA1-9BAF83D7D17C}" dt="2025-09-17T13:34:32.825" v="8"/>
+      <pc:sldChg chg="addSp delSp modSp add ord replId">
+        <pc:chgData name="ゲスト ユーザー" userId="" providerId="Windows Live" clId="Web-{18A3A496-010A-D119-6C76-571E53910C86}" dt="2025-09-19T05:31:19.894" v="247" actId="1076"/>
         <pc:sldMkLst>
           <pc:docMk/>
-          <pc:sldMk cId="2929467807" sldId="266"/>
+          <pc:sldMk cId="1262297006" sldId="268"/>
         </pc:sldMkLst>
+        <pc:spChg chg="add mod">
+          <ac:chgData name="ゲスト ユーザー" userId="" providerId="Windows Live" clId="Web-{18A3A496-010A-D119-6C76-571E53910C86}" dt="2025-09-19T05:31:19.894" v="247" actId="1076"/>
+          <ac:spMkLst>
+            <pc:docMk/>
+            <pc:sldMk cId="1262297006" sldId="268"/>
+            <ac:spMk id="2" creationId="{14D96358-026B-0435-965C-A8D4434F55DE}"/>
+          </ac:spMkLst>
+        </pc:spChg>
+        <pc:spChg chg="del mod">
+          <ac:chgData name="ゲスト ユーザー" userId="" providerId="Windows Live" clId="Web-{18A3A496-010A-D119-6C76-571E53910C86}" dt="2025-09-19T05:29:44.280" v="210"/>
+          <ac:spMkLst>
+            <pc:docMk/>
+            <pc:sldMk cId="1262297006" sldId="268"/>
+            <ac:spMk id="4" creationId="{6C756C90-5CC9-F0C0-E8DA-F1B49CA7C044}"/>
+          </ac:spMkLst>
+        </pc:spChg>
+        <pc:spChg chg="del">
+          <ac:chgData name="ゲスト ユーザー" userId="" providerId="Windows Live" clId="Web-{18A3A496-010A-D119-6C76-571E53910C86}" dt="2025-09-19T05:29:36.623" v="206"/>
+          <ac:spMkLst>
+            <pc:docMk/>
+            <pc:sldMk cId="1262297006" sldId="268"/>
+            <ac:spMk id="5" creationId="{AEFF35F0-E8D4-05C3-93FB-F03596AAA7A9}"/>
+          </ac:spMkLst>
+        </pc:spChg>
+        <pc:spChg chg="mod">
+          <ac:chgData name="ゲスト ユーザー" userId="" providerId="Windows Live" clId="Web-{18A3A496-010A-D119-6C76-571E53910C86}" dt="2025-09-19T05:30:36.392" v="237" actId="1076"/>
+          <ac:spMkLst>
+            <pc:docMk/>
+            <pc:sldMk cId="1262297006" sldId="268"/>
+            <ac:spMk id="6" creationId="{8D6DA0E0-583A-B4DF-5B16-AEAE164EEE40}"/>
+          </ac:spMkLst>
+        </pc:spChg>
+        <pc:spChg chg="del mod">
+          <ac:chgData name="ゲスト ユーザー" userId="" providerId="Windows Live" clId="Web-{18A3A496-010A-D119-6C76-571E53910C86}" dt="2025-09-19T05:29:53.343" v="212"/>
+          <ac:spMkLst>
+            <pc:docMk/>
+            <pc:sldMk cId="1262297006" sldId="268"/>
+            <ac:spMk id="11" creationId="{0F967F46-EAED-97FB-629B-D322D9A2B3F5}"/>
+          </ac:spMkLst>
+        </pc:spChg>
+        <pc:spChg chg="del">
+          <ac:chgData name="ゲスト ユーザー" userId="" providerId="Windows Live" clId="Web-{18A3A496-010A-D119-6C76-571E53910C86}" dt="2025-09-19T05:29:58.921" v="213"/>
+          <ac:spMkLst>
+            <pc:docMk/>
+            <pc:sldMk cId="1262297006" sldId="268"/>
+            <ac:spMk id="16" creationId="{EECEDE49-FA99-706E-AB35-DBBFF590141B}"/>
+          </ac:spMkLst>
+        </pc:spChg>
+        <pc:picChg chg="add">
+          <ac:chgData name="ゲスト ユーザー" userId="" providerId="Windows Live" clId="Web-{18A3A496-010A-D119-6C76-571E53910C86}" dt="2025-09-19T05:31:15.878" v="246"/>
+          <ac:picMkLst>
+            <pc:docMk/>
+            <pc:sldMk cId="1262297006" sldId="268"/>
+            <ac:picMk id="7" creationId="{636C01B0-69D9-31BF-3322-C3C801510FC2}"/>
+          </ac:picMkLst>
+        </pc:picChg>
+      </pc:sldChg>
+      <pc:sldChg chg="delSp new del ord">
+        <pc:chgData name="ゲスト ユーザー" userId="" providerId="Windows Live" clId="Web-{18A3A496-010A-D119-6C76-571E53910C86}" dt="2025-09-19T05:29:27.341" v="203"/>
+        <pc:sldMkLst>
+          <pc:docMk/>
+          <pc:sldMk cId="1941221728" sldId="268"/>
+        </pc:sldMkLst>
+        <pc:spChg chg="del">
+          <ac:chgData name="ゲスト ユーザー" userId="" providerId="Windows Live" clId="Web-{18A3A496-010A-D119-6C76-571E53910C86}" dt="2025-09-19T05:29:22.450" v="202"/>
+          <ac:spMkLst>
+            <pc:docMk/>
+            <pc:sldMk cId="1941221728" sldId="268"/>
+            <ac:spMk id="2" creationId="{4DF36A80-D7C7-FBF7-DD3B-D05819839DC4}"/>
+          </ac:spMkLst>
+        </pc:spChg>
       </pc:sldChg>
     </pc:docChg>
   </pc:docChgLst>
   <pc:docChgLst>
     <pc:chgData name="咲良 城﨑" userId="2978246415e9743d" providerId="LiveId" clId="{FD4822B2-D91D-4BAE-8796-2C0AF37C7DD3}"/>
     <pc:docChg chg="undo redo custSel addSld delSld modSld sldOrd modMainMaster">
-      <pc:chgData name="咲良 城﨑" userId="2978246415e9743d" providerId="LiveId" clId="{FD4822B2-D91D-4BAE-8796-2C0AF37C7DD3}" dt="2025-09-17T13:53:21.870" v="2583" actId="1076"/>
+      <pc:chgData name="咲良 城﨑" userId="2978246415e9743d" providerId="LiveId" clId="{FD4822B2-D91D-4BAE-8796-2C0AF37C7DD3}" dt="2025-09-19T05:56:32.047" v="2598" actId="1076"/>
       <pc:docMkLst>
         <pc:docMk/>
       </pc:docMkLst>
@@ -602,7 +726,7 @@
         </pc:picChg>
       </pc:sldChg>
       <pc:sldChg chg="addSp delSp modSp add mod">
-        <pc:chgData name="咲良 城﨑" userId="2978246415e9743d" providerId="LiveId" clId="{FD4822B2-D91D-4BAE-8796-2C0AF37C7DD3}" dt="2025-09-17T13:52:57.130" v="2581" actId="12789"/>
+        <pc:chgData name="咲良 城﨑" userId="2978246415e9743d" providerId="LiveId" clId="{FD4822B2-D91D-4BAE-8796-2C0AF37C7DD3}" dt="2025-09-19T05:56:32.047" v="2598" actId="1076"/>
         <pc:sldMkLst>
           <pc:docMk/>
           <pc:sldMk cId="371821569" sldId="261"/>
@@ -631,6 +755,22 @@
             <ac:spMk id="7" creationId="{BD82E50D-F9D0-C1E2-AD9F-1690928C3421}"/>
           </ac:spMkLst>
         </pc:spChg>
+        <pc:picChg chg="add del mod">
+          <ac:chgData name="咲良 城﨑" userId="2978246415e9743d" providerId="LiveId" clId="{FD4822B2-D91D-4BAE-8796-2C0AF37C7DD3}" dt="2025-09-19T05:56:23.714" v="2593" actId="478"/>
+          <ac:picMkLst>
+            <pc:docMk/>
+            <pc:sldMk cId="371821569" sldId="261"/>
+            <ac:picMk id="5" creationId="{9B28BF8C-7FEF-8B47-CE83-87E56E978D21}"/>
+          </ac:picMkLst>
+        </pc:picChg>
+        <pc:picChg chg="add mod">
+          <ac:chgData name="咲良 城﨑" userId="2978246415e9743d" providerId="LiveId" clId="{FD4822B2-D91D-4BAE-8796-2C0AF37C7DD3}" dt="2025-09-19T05:56:32.047" v="2598" actId="1076"/>
+          <ac:picMkLst>
+            <pc:docMk/>
+            <pc:sldMk cId="371821569" sldId="261"/>
+            <ac:picMk id="8" creationId="{22B1E1BF-D826-EDA0-88F8-82A9E09366CC}"/>
+          </ac:picMkLst>
+        </pc:picChg>
         <pc:picChg chg="add mod">
           <ac:chgData name="咲良 城﨑" userId="2978246415e9743d" providerId="LiveId" clId="{FD4822B2-D91D-4BAE-8796-2C0AF37C7DD3}" dt="2025-09-17T13:50:04.491" v="2560" actId="1076"/>
           <ac:picMkLst>
@@ -639,8 +779,8 @@
             <ac:picMk id="16" creationId="{8116D6BB-C166-CA02-E91C-A4D5E452C0F1}"/>
           </ac:picMkLst>
         </pc:picChg>
-        <pc:picChg chg="add mod">
-          <ac:chgData name="咲良 城﨑" userId="2978246415e9743d" providerId="LiveId" clId="{FD4822B2-D91D-4BAE-8796-2C0AF37C7DD3}" dt="2025-09-17T13:52:57.130" v="2581" actId="12789"/>
+        <pc:picChg chg="add del mod">
+          <ac:chgData name="咲良 城﨑" userId="2978246415e9743d" providerId="LiveId" clId="{FD4822B2-D91D-4BAE-8796-2C0AF37C7DD3}" dt="2025-09-19T05:54:17.782" v="2584" actId="478"/>
           <ac:picMkLst>
             <pc:docMk/>
             <pc:sldMk cId="371821569" sldId="261"/>
@@ -973,83 +1113,6 @@
     </pc:docChg>
   </pc:docChgLst>
   <pc:docChgLst>
-    <pc:chgData name="ゲスト ユーザー" providerId="Windows Live" clId="Web-{18A3A496-010A-D119-6C76-571E53910C86}"/>
-    <pc:docChg chg="addSld modSld">
-      <pc:chgData name="ゲスト ユーザー" userId="" providerId="Windows Live" clId="Web-{18A3A496-010A-D119-6C76-571E53910C86}" dt="2025-09-17T12:55:59.799" v="176" actId="1076"/>
-      <pc:docMkLst>
-        <pc:docMk/>
-      </pc:docMkLst>
-      <pc:sldChg chg="addSp delSp modSp">
-        <pc:chgData name="ゲスト ユーザー" userId="" providerId="Windows Live" clId="Web-{18A3A496-010A-D119-6C76-571E53910C86}" dt="2025-09-17T12:55:29.376" v="165" actId="1076"/>
-        <pc:sldMkLst>
-          <pc:docMk/>
-          <pc:sldMk cId="1679523147" sldId="256"/>
-        </pc:sldMkLst>
-        <pc:spChg chg="add del mod">
-          <ac:chgData name="ゲスト ユーザー" userId="" providerId="Windows Live" clId="Web-{18A3A496-010A-D119-6C76-571E53910C86}" dt="2025-09-17T12:55:29.376" v="165" actId="1076"/>
-          <ac:spMkLst>
-            <pc:docMk/>
-            <pc:sldMk cId="1679523147" sldId="256"/>
-            <ac:spMk id="6" creationId="{DEFA6DBE-C68E-B5CD-EBBF-B126A3887644}"/>
-          </ac:spMkLst>
-        </pc:spChg>
-      </pc:sldChg>
-      <pc:sldChg chg="delSp modSp">
-        <pc:chgData name="ゲスト ユーザー" userId="" providerId="Windows Live" clId="Web-{18A3A496-010A-D119-6C76-571E53910C86}" dt="2025-09-17T12:55:59.799" v="176" actId="1076"/>
-        <pc:sldMkLst>
-          <pc:docMk/>
-          <pc:sldMk cId="1838090150" sldId="259"/>
-        </pc:sldMkLst>
-        <pc:spChg chg="mod">
-          <ac:chgData name="ゲスト ユーザー" userId="" providerId="Windows Live" clId="Web-{18A3A496-010A-D119-6C76-571E53910C86}" dt="2025-09-17T12:55:59.799" v="176" actId="1076"/>
-          <ac:spMkLst>
-            <pc:docMk/>
-            <pc:sldMk cId="1838090150" sldId="259"/>
-            <ac:spMk id="6" creationId="{938260AC-FDEB-3819-E6A2-6980C1780059}"/>
-          </ac:spMkLst>
-        </pc:spChg>
-      </pc:sldChg>
-      <pc:sldChg chg="addSp delSp modSp">
-        <pc:chgData name="ゲスト ユーザー" userId="" providerId="Windows Live" clId="Web-{18A3A496-010A-D119-6C76-571E53910C86}" dt="2025-09-17T11:58:59.334" v="129" actId="1076"/>
-        <pc:sldMkLst>
-          <pc:docMk/>
-          <pc:sldMk cId="3350259774" sldId="263"/>
-        </pc:sldMkLst>
-        <pc:spChg chg="add mod">
-          <ac:chgData name="ゲスト ユーザー" userId="" providerId="Windows Live" clId="Web-{18A3A496-010A-D119-6C76-571E53910C86}" dt="2025-09-17T11:58:59.334" v="129" actId="1076"/>
-          <ac:spMkLst>
-            <pc:docMk/>
-            <pc:sldMk cId="3350259774" sldId="263"/>
-            <ac:spMk id="6" creationId="{23449DFA-BAC9-C877-0224-DD6AC1006681}"/>
-          </ac:spMkLst>
-        </pc:spChg>
-      </pc:sldChg>
-      <pc:sldChg chg="addSp delSp modSp new">
-        <pc:chgData name="ゲスト ユーザー" userId="" providerId="Windows Live" clId="Web-{18A3A496-010A-D119-6C76-571E53910C86}" dt="2025-09-17T11:53:33.500" v="48" actId="1076"/>
-        <pc:sldMkLst>
-          <pc:docMk/>
-          <pc:sldMk cId="1275883622" sldId="267"/>
-        </pc:sldMkLst>
-        <pc:spChg chg="add mod">
-          <ac:chgData name="ゲスト ユーザー" userId="" providerId="Windows Live" clId="Web-{18A3A496-010A-D119-6C76-571E53910C86}" dt="2025-09-17T11:48:33.643" v="7" actId="1076"/>
-          <ac:spMkLst>
-            <pc:docMk/>
-            <pc:sldMk cId="1275883622" sldId="267"/>
-            <ac:spMk id="5" creationId="{0D4EC438-4B1B-003B-D9B4-22EDB37A2B6A}"/>
-          </ac:spMkLst>
-        </pc:spChg>
-        <pc:spChg chg="add mod">
-          <ac:chgData name="ゲスト ユーザー" userId="" providerId="Windows Live" clId="Web-{18A3A496-010A-D119-6C76-571E53910C86}" dt="2025-09-17T11:53:33.500" v="48" actId="1076"/>
-          <ac:spMkLst>
-            <pc:docMk/>
-            <pc:sldMk cId="1275883622" sldId="267"/>
-            <ac:spMk id="7" creationId="{26F00D3D-0311-658C-E44D-A28BFCDDB402}"/>
-          </ac:spMkLst>
-        </pc:spChg>
-      </pc:sldChg>
-    </pc:docChg>
-  </pc:docChgLst>
-  <pc:docChgLst>
     <pc:chgData name="ゲスト ユーザー" providerId="Windows Live" clId="Web-{087DE93F-2EDA-E87F-A1AE-26AFCBC918E9}"/>
     <pc:docChg chg="modSld">
       <pc:chgData name="ゲスト ユーザー" userId="" providerId="Windows Live" clId="Web-{087DE93F-2EDA-E87F-A1AE-26AFCBC918E9}" dt="2025-09-19T01:25:04.106" v="3"/>
@@ -1070,6 +1133,68 @@
             <ac:picMk id="24" creationId="{C879565E-298A-4BAF-ECE8-2C0F36FEAF70}"/>
           </ac:picMkLst>
         </pc:picChg>
+      </pc:sldChg>
+    </pc:docChg>
+  </pc:docChgLst>
+  <pc:docChgLst>
+    <pc:chgData name="ゲスト ユーザー" providerId="Windows Live" clId="Web-{BC4577A5-353A-6D02-0BA1-9BAF83D7D17C}"/>
+    <pc:docChg chg="modSld">
+      <pc:chgData name="ゲスト ユーザー" userId="" providerId="Windows Live" clId="Web-{BC4577A5-353A-6D02-0BA1-9BAF83D7D17C}" dt="2025-09-17T13:40:13.316" v="12" actId="1076"/>
+      <pc:docMkLst>
+        <pc:docMk/>
+      </pc:docMkLst>
+      <pc:sldChg chg="modSp">
+        <pc:chgData name="ゲスト ユーザー" userId="" providerId="Windows Live" clId="Web-{BC4577A5-353A-6D02-0BA1-9BAF83D7D17C}" dt="2025-09-17T13:32:59.649" v="5" actId="1076"/>
+        <pc:sldMkLst>
+          <pc:docMk/>
+          <pc:sldMk cId="3350259774" sldId="263"/>
+        </pc:sldMkLst>
+        <pc:spChg chg="mod">
+          <ac:chgData name="ゲスト ユーザー" userId="" providerId="Windows Live" clId="Web-{BC4577A5-353A-6D02-0BA1-9BAF83D7D17C}" dt="2025-09-17T13:32:59.633" v="4" actId="1076"/>
+          <ac:spMkLst>
+            <pc:docMk/>
+            <pc:sldMk cId="3350259774" sldId="263"/>
+            <ac:spMk id="3" creationId="{70FB2318-3F5A-6A4B-22CB-17D23C8335B1}"/>
+          </ac:spMkLst>
+        </pc:spChg>
+        <pc:spChg chg="mod">
+          <ac:chgData name="ゲスト ユーザー" userId="" providerId="Windows Live" clId="Web-{BC4577A5-353A-6D02-0BA1-9BAF83D7D17C}" dt="2025-09-17T13:32:59.649" v="5" actId="1076"/>
+          <ac:spMkLst>
+            <pc:docMk/>
+            <pc:sldMk cId="3350259774" sldId="263"/>
+            <ac:spMk id="6" creationId="{23449DFA-BAC9-C877-0224-DD6AC1006681}"/>
+          </ac:spMkLst>
+        </pc:spChg>
+      </pc:sldChg>
+      <pc:sldChg chg="modSp">
+        <pc:chgData name="ゲスト ユーザー" userId="" providerId="Windows Live" clId="Web-{BC4577A5-353A-6D02-0BA1-9BAF83D7D17C}" dt="2025-09-17T13:40:13.316" v="12" actId="1076"/>
+        <pc:sldMkLst>
+          <pc:docMk/>
+          <pc:sldMk cId="1448649864" sldId="264"/>
+        </pc:sldMkLst>
+        <pc:spChg chg="mod">
+          <ac:chgData name="ゲスト ユーザー" userId="" providerId="Windows Live" clId="Web-{BC4577A5-353A-6D02-0BA1-9BAF83D7D17C}" dt="2025-09-17T13:39:59.566" v="10" actId="1076"/>
+          <ac:spMkLst>
+            <pc:docMk/>
+            <pc:sldMk cId="1448649864" sldId="264"/>
+            <ac:spMk id="11" creationId="{6BC89CF5-DE20-2CEF-579A-17847C9EB805}"/>
+          </ac:spMkLst>
+        </pc:spChg>
+        <pc:grpChg chg="mod">
+          <ac:chgData name="ゲスト ユーザー" userId="" providerId="Windows Live" clId="Web-{BC4577A5-353A-6D02-0BA1-9BAF83D7D17C}" dt="2025-09-17T13:40:13.316" v="12" actId="1076"/>
+          <ac:grpSpMkLst>
+            <pc:docMk/>
+            <pc:sldMk cId="1448649864" sldId="264"/>
+            <ac:grpSpMk id="12" creationId="{2DCFD97B-3749-B471-76EF-31A5BB6A6E4C}"/>
+          </ac:grpSpMkLst>
+        </pc:grpChg>
+      </pc:sldChg>
+      <pc:sldChg chg="addSp delSp">
+        <pc:chgData name="ゲスト ユーザー" userId="" providerId="Windows Live" clId="Web-{BC4577A5-353A-6D02-0BA1-9BAF83D7D17C}" dt="2025-09-17T13:34:32.825" v="8"/>
+        <pc:sldMkLst>
+          <pc:docMk/>
+          <pc:sldMk cId="2929467807" sldId="266"/>
+        </pc:sldMkLst>
       </pc:sldChg>
     </pc:docChg>
   </pc:docChgLst>
@@ -1158,7 +1283,7 @@
           <a:p>
             <a:fld id="{7BFA86AA-3D4C-42FD-812F-2F906E4AEF7B}" type="datetimeFigureOut">
               <a:rPr kumimoji="1" lang="ja-JP" altLang="en-US" smtClean="0"/>
-              <a:t>2025/9/18</a:t>
+              <a:t>2025/9/19</a:t>
             </a:fld>
             <a:endParaRPr kumimoji="1" lang="ja-JP" altLang="en-US"/>
           </a:p>
@@ -1522,7 +1647,7 @@
           <a:p>
             <a:fld id="{C69B08ED-2D8C-4E82-B009-FB8496E9CE29}" type="slidenum">
               <a:rPr kumimoji="1" lang="ja-JP" altLang="en-US" smtClean="0"/>
-              <a:t>12</a:t>
+              <a:t>13</a:t>
             </a:fld>
             <a:endParaRPr kumimoji="1" lang="ja-JP" altLang="en-US"/>
           </a:p>
@@ -1688,7 +1813,7 @@
           <a:p>
             <a:fld id="{2184E8D4-73D9-4385-ACB2-C55AB63A1420}" type="datetimeFigureOut">
               <a:rPr kumimoji="1" lang="ja-JP" altLang="en-US" smtClean="0"/>
-              <a:t>2025/9/18</a:t>
+              <a:t>2025/9/19</a:t>
             </a:fld>
             <a:endParaRPr kumimoji="1" lang="ja-JP" altLang="en-US"/>
           </a:p>
@@ -1918,7 +2043,7 @@
           <a:p>
             <a:fld id="{2184E8D4-73D9-4385-ACB2-C55AB63A1420}" type="datetimeFigureOut">
               <a:rPr kumimoji="1" lang="ja-JP" altLang="en-US" smtClean="0"/>
-              <a:t>2025/9/18</a:t>
+              <a:t>2025/9/19</a:t>
             </a:fld>
             <a:endParaRPr kumimoji="1" lang="ja-JP" altLang="en-US"/>
           </a:p>
@@ -2158,7 +2283,7 @@
           <a:p>
             <a:fld id="{2184E8D4-73D9-4385-ACB2-C55AB63A1420}" type="datetimeFigureOut">
               <a:rPr kumimoji="1" lang="ja-JP" altLang="en-US" smtClean="0"/>
-              <a:t>2025/9/18</a:t>
+              <a:t>2025/9/19</a:t>
             </a:fld>
             <a:endParaRPr kumimoji="1" lang="ja-JP" altLang="en-US"/>
           </a:p>
@@ -2388,7 +2513,7 @@
           <a:p>
             <a:fld id="{2184E8D4-73D9-4385-ACB2-C55AB63A1420}" type="datetimeFigureOut">
               <a:rPr kumimoji="1" lang="ja-JP" altLang="en-US" smtClean="0"/>
-              <a:t>2025/9/18</a:t>
+              <a:t>2025/9/19</a:t>
             </a:fld>
             <a:endParaRPr kumimoji="1" lang="ja-JP" altLang="en-US"/>
           </a:p>
@@ -2663,7 +2788,7 @@
           <a:p>
             <a:fld id="{2184E8D4-73D9-4385-ACB2-C55AB63A1420}" type="datetimeFigureOut">
               <a:rPr kumimoji="1" lang="ja-JP" altLang="en-US" smtClean="0"/>
-              <a:t>2025/9/18</a:t>
+              <a:t>2025/9/19</a:t>
             </a:fld>
             <a:endParaRPr kumimoji="1" lang="ja-JP" altLang="en-US"/>
           </a:p>
@@ -2992,7 +3117,7 @@
           <a:p>
             <a:fld id="{2184E8D4-73D9-4385-ACB2-C55AB63A1420}" type="datetimeFigureOut">
               <a:rPr kumimoji="1" lang="ja-JP" altLang="en-US" smtClean="0"/>
-              <a:t>2025/9/18</a:t>
+              <a:t>2025/9/19</a:t>
             </a:fld>
             <a:endParaRPr kumimoji="1" lang="ja-JP" altLang="en-US"/>
           </a:p>
@@ -3468,7 +3593,7 @@
           <a:p>
             <a:fld id="{2184E8D4-73D9-4385-ACB2-C55AB63A1420}" type="datetimeFigureOut">
               <a:rPr kumimoji="1" lang="ja-JP" altLang="en-US" smtClean="0"/>
-              <a:t>2025/9/18</a:t>
+              <a:t>2025/9/19</a:t>
             </a:fld>
             <a:endParaRPr kumimoji="1" lang="ja-JP" altLang="en-US"/>
           </a:p>
@@ -3609,7 +3734,7 @@
           <a:p>
             <a:fld id="{2184E8D4-73D9-4385-ACB2-C55AB63A1420}" type="datetimeFigureOut">
               <a:rPr kumimoji="1" lang="ja-JP" altLang="en-US" smtClean="0"/>
-              <a:t>2025/9/18</a:t>
+              <a:t>2025/9/19</a:t>
             </a:fld>
             <a:endParaRPr kumimoji="1" lang="ja-JP" altLang="en-US"/>
           </a:p>
@@ -3722,7 +3847,7 @@
           <a:p>
             <a:fld id="{2184E8D4-73D9-4385-ACB2-C55AB63A1420}" type="datetimeFigureOut">
               <a:rPr kumimoji="1" lang="ja-JP" altLang="en-US" smtClean="0"/>
-              <a:t>2025/9/18</a:t>
+              <a:t>2025/9/19</a:t>
             </a:fld>
             <a:endParaRPr kumimoji="1" lang="ja-JP" altLang="en-US"/>
           </a:p>
@@ -4065,7 +4190,7 @@
           <a:p>
             <a:fld id="{2184E8D4-73D9-4385-ACB2-C55AB63A1420}" type="datetimeFigureOut">
               <a:rPr kumimoji="1" lang="ja-JP" altLang="en-US" smtClean="0"/>
-              <a:t>2025/9/18</a:t>
+              <a:t>2025/9/19</a:t>
             </a:fld>
             <a:endParaRPr kumimoji="1" lang="ja-JP" altLang="en-US"/>
           </a:p>
@@ -4353,7 +4478,7 @@
           <a:p>
             <a:fld id="{2184E8D4-73D9-4385-ACB2-C55AB63A1420}" type="datetimeFigureOut">
               <a:rPr kumimoji="1" lang="ja-JP" altLang="en-US" smtClean="0"/>
-              <a:t>2025/9/18</a:t>
+              <a:t>2025/9/19</a:t>
             </a:fld>
             <a:endParaRPr kumimoji="1" lang="ja-JP" altLang="en-US"/>
           </a:p>
@@ -4629,7 +4754,7 @@
           <a:p>
             <a:fld id="{2184E8D4-73D9-4385-ACB2-C55AB63A1420}" type="datetimeFigureOut">
               <a:rPr kumimoji="1" lang="ja-JP" altLang="en-US" smtClean="0"/>
-              <a:t>2025/9/18</a:t>
+              <a:t>2025/9/19</a:t>
             </a:fld>
             <a:endParaRPr kumimoji="1" lang="ja-JP" altLang="en-US"/>
           </a:p>
@@ -5208,7 +5333,7 @@
         </p:nvSpPr>
         <p:spPr>
           <a:xfrm>
-            <a:off x="3550259" y="2995293"/>
+            <a:off x="1698176" y="2995293"/>
             <a:ext cx="5176907" cy="1569660"/>
           </a:xfrm>
           <a:prstGeom prst="rect">
@@ -5275,6 +5400,36 @@
           </a:p>
         </p:txBody>
       </p:sp>
+      <p:pic>
+        <p:nvPicPr>
+          <p:cNvPr id="8" name="図 7" descr="ロゴ&#10;&#10;AI 生成コンテンツは間違っている可能性があります。">
+            <a:extLst>
+              <a:ext uri="{FF2B5EF4-FFF2-40B4-BE49-F238E27FC236}">
+                <a16:creationId xmlns:a16="http://schemas.microsoft.com/office/drawing/2014/main" id="{7923DBF5-4D8C-6473-7ADD-0FA6D2E4DD94}"/>
+              </a:ext>
+            </a:extLst>
+          </p:cNvPr>
+          <p:cNvPicPr>
+            <a:picLocks noChangeAspect="1"/>
+          </p:cNvPicPr>
+          <p:nvPr/>
+        </p:nvPicPr>
+        <p:blipFill>
+          <a:blip r:embed="rId2"/>
+          <a:stretch>
+            <a:fillRect/>
+          </a:stretch>
+        </p:blipFill>
+        <p:spPr>
+          <a:xfrm>
+            <a:off x="5408084" y="137583"/>
+            <a:ext cx="7620000" cy="7672917"/>
+          </a:xfrm>
+          <a:prstGeom prst="rect">
+            <a:avLst/>
+          </a:prstGeom>
+        </p:spPr>
+      </p:pic>
     </p:spTree>
     <p:extLst>
       <p:ext uri="{BB962C8B-B14F-4D97-AF65-F5344CB8AC3E}">
@@ -5535,6 +5690,740 @@
 </file>
 
 <file path=ppt/slides/slide11.xml><?xml version="1.0" encoding="utf-8"?>
+<p:sld xmlns:a="http://schemas.openxmlformats.org/drawingml/2006/main" xmlns:r="http://schemas.openxmlformats.org/officeDocument/2006/relationships" xmlns:p="http://schemas.openxmlformats.org/presentationml/2006/main">
+  <p:cSld>
+    <p:spTree>
+      <p:nvGrpSpPr>
+        <p:cNvPr id="1" name="">
+          <a:extLst>
+            <a:ext uri="{FF2B5EF4-FFF2-40B4-BE49-F238E27FC236}">
+              <a16:creationId xmlns:a16="http://schemas.microsoft.com/office/drawing/2014/main" id="{2FCA31D1-27B1-CEA9-11CB-44572128FE71}"/>
+            </a:ext>
+          </a:extLst>
+        </p:cNvPr>
+        <p:cNvGrpSpPr/>
+        <p:nvPr/>
+      </p:nvGrpSpPr>
+      <p:grpSpPr>
+        <a:xfrm>
+          <a:off x="0" y="0"/>
+          <a:ext cx="0" cy="0"/>
+          <a:chOff x="0" y="0"/>
+          <a:chExt cx="0" cy="0"/>
+        </a:xfrm>
+      </p:grpSpPr>
+      <p:sp>
+        <p:nvSpPr>
+          <p:cNvPr id="3" name="四角形: 角を丸くする 2">
+            <a:extLst>
+              <a:ext uri="{FF2B5EF4-FFF2-40B4-BE49-F238E27FC236}">
+                <a16:creationId xmlns:a16="http://schemas.microsoft.com/office/drawing/2014/main" id="{1A999551-7688-ECE2-01C5-E45E0E952E5C}"/>
+              </a:ext>
+            </a:extLst>
+          </p:cNvPr>
+          <p:cNvSpPr/>
+          <p:nvPr/>
+        </p:nvSpPr>
+        <p:spPr>
+          <a:xfrm>
+            <a:off x="871432" y="636607"/>
+            <a:ext cx="10494907" cy="5578997"/>
+          </a:xfrm>
+          <a:prstGeom prst="roundRect">
+            <a:avLst/>
+          </a:prstGeom>
+          <a:solidFill>
+            <a:schemeClr val="bg1"/>
+          </a:solidFill>
+          <a:ln>
+            <a:noFill/>
+          </a:ln>
+        </p:spPr>
+        <p:style>
+          <a:lnRef idx="2">
+            <a:schemeClr val="accent1">
+              <a:shade val="15000"/>
+            </a:schemeClr>
+          </a:lnRef>
+          <a:fillRef idx="1">
+            <a:schemeClr val="accent1"/>
+          </a:fillRef>
+          <a:effectRef idx="0">
+            <a:schemeClr val="accent1"/>
+          </a:effectRef>
+          <a:fontRef idx="minor">
+            <a:schemeClr val="lt1"/>
+          </a:fontRef>
+        </p:style>
+        <p:txBody>
+          <a:bodyPr rtlCol="0" anchor="ctr"/>
+          <a:lstStyle/>
+          <a:p>
+            <a:pPr algn="ctr"/>
+            <a:endParaRPr kumimoji="1" lang="ja-JP" altLang="en-US"/>
+          </a:p>
+        </p:txBody>
+      </p:sp>
+      <p:sp>
+        <p:nvSpPr>
+          <p:cNvPr id="4" name="テキスト ボックス 3">
+            <a:extLst>
+              <a:ext uri="{FF2B5EF4-FFF2-40B4-BE49-F238E27FC236}">
+                <a16:creationId xmlns:a16="http://schemas.microsoft.com/office/drawing/2014/main" id="{8D9FCA83-1B2C-F33A-289D-BD6421788323}"/>
+              </a:ext>
+            </a:extLst>
+          </p:cNvPr>
+          <p:cNvSpPr txBox="1"/>
+          <p:nvPr/>
+        </p:nvSpPr>
+        <p:spPr>
+          <a:xfrm>
+            <a:off x="220367" y="130099"/>
+            <a:ext cx="3262432" cy="1323439"/>
+          </a:xfrm>
+          <a:prstGeom prst="rect">
+            <a:avLst/>
+          </a:prstGeom>
+          <a:noFill/>
+        </p:spPr>
+        <p:txBody>
+          <a:bodyPr wrap="none" rtlCol="0">
+            <a:spAutoFit/>
+          </a:bodyPr>
+          <a:lstStyle/>
+          <a:p>
+            <a:r>
+              <a:rPr lang="ja-JP" altLang="en-US" sz="8000" b="1">
+                <a:solidFill>
+                  <a:schemeClr val="bg1"/>
+                </a:solidFill>
+              </a:rPr>
+              <a:t>技術面</a:t>
+            </a:r>
+            <a:endParaRPr lang="en-US" altLang="ja-JP" sz="8000" b="1">
+              <a:solidFill>
+                <a:schemeClr val="bg1"/>
+              </a:solidFill>
+            </a:endParaRPr>
+          </a:p>
+        </p:txBody>
+      </p:sp>
+      <p:sp>
+        <p:nvSpPr>
+          <p:cNvPr id="7" name="テキスト ボックス 6">
+            <a:extLst>
+              <a:ext uri="{FF2B5EF4-FFF2-40B4-BE49-F238E27FC236}">
+                <a16:creationId xmlns:a16="http://schemas.microsoft.com/office/drawing/2014/main" id="{BD82E50D-F9D0-C1E2-AD9F-1690928C3421}"/>
+              </a:ext>
+            </a:extLst>
+          </p:cNvPr>
+          <p:cNvSpPr txBox="1"/>
+          <p:nvPr/>
+        </p:nvSpPr>
+        <p:spPr>
+          <a:xfrm>
+            <a:off x="1007525" y="636607"/>
+            <a:ext cx="2253475" cy="549796"/>
+          </a:xfrm>
+          <a:custGeom>
+            <a:avLst/>
+            <a:gdLst/>
+            <a:ahLst/>
+            <a:cxnLst/>
+            <a:rect l="l" t="t" r="r" b="b"/>
+            <a:pathLst>
+              <a:path w="2253475" h="549796">
+                <a:moveTo>
+                  <a:pt x="64885" y="345765"/>
+                </a:moveTo>
+                <a:lnTo>
+                  <a:pt x="151427" y="396895"/>
+                </a:lnTo>
+                <a:cubicBezTo>
+                  <a:pt x="191570" y="415390"/>
+                  <a:pt x="234865" y="430527"/>
+                  <a:pt x="281312" y="442304"/>
+                </a:cubicBezTo>
+                <a:cubicBezTo>
+                  <a:pt x="265719" y="463537"/>
+                  <a:pt x="251785" y="488751"/>
+                  <a:pt x="239510" y="517946"/>
+                </a:cubicBezTo>
+                <a:cubicBezTo>
+                  <a:pt x="231879" y="535530"/>
+                  <a:pt x="225410" y="544321"/>
+                  <a:pt x="220101" y="544321"/>
+                </a:cubicBezTo>
+                <a:cubicBezTo>
+                  <a:pt x="215125" y="544321"/>
+                  <a:pt x="206997" y="542331"/>
+                  <a:pt x="195717" y="538350"/>
+                </a:cubicBezTo>
+                <a:cubicBezTo>
+                  <a:pt x="150100" y="521264"/>
+                  <a:pt x="107675" y="501566"/>
+                  <a:pt x="68445" y="479255"/>
+                </a:cubicBezTo>
+                <a:lnTo>
+                  <a:pt x="0" y="431918"/>
+                </a:lnTo>
+                <a:lnTo>
+                  <a:pt x="11917" y="409962"/>
+                </a:lnTo>
+                <a:close/>
+                <a:moveTo>
+                  <a:pt x="1759812" y="309931"/>
+                </a:moveTo>
+                <a:lnTo>
+                  <a:pt x="1759812" y="406972"/>
+                </a:lnTo>
+                <a:lnTo>
+                  <a:pt x="1920551" y="406972"/>
+                </a:lnTo>
+                <a:lnTo>
+                  <a:pt x="1920551" y="309931"/>
+                </a:lnTo>
+                <a:close/>
+                <a:moveTo>
+                  <a:pt x="1759812" y="135756"/>
+                </a:moveTo>
+                <a:lnTo>
+                  <a:pt x="1759812" y="224336"/>
+                </a:lnTo>
+                <a:lnTo>
+                  <a:pt x="1920551" y="224336"/>
+                </a:lnTo>
+                <a:lnTo>
+                  <a:pt x="1920551" y="135756"/>
+                </a:lnTo>
+                <a:close/>
+                <a:moveTo>
+                  <a:pt x="546096" y="31612"/>
+                </a:moveTo>
+                <a:lnTo>
+                  <a:pt x="545063" y="33241"/>
+                </a:lnTo>
+                <a:lnTo>
+                  <a:pt x="545063" y="412943"/>
+                </a:lnTo>
+                <a:lnTo>
+                  <a:pt x="547054" y="538350"/>
+                </a:lnTo>
+                <a:cubicBezTo>
+                  <a:pt x="547054" y="543990"/>
+                  <a:pt x="546390" y="547307"/>
+                  <a:pt x="545063" y="548303"/>
+                </a:cubicBezTo>
+                <a:cubicBezTo>
+                  <a:pt x="543736" y="549298"/>
+                  <a:pt x="540750" y="549796"/>
+                  <a:pt x="536106" y="549796"/>
+                </a:cubicBezTo>
+                <a:lnTo>
+                  <a:pt x="453994" y="549796"/>
+                </a:lnTo>
+                <a:cubicBezTo>
+                  <a:pt x="448686" y="549796"/>
+                  <a:pt x="445534" y="549132"/>
+                  <a:pt x="444539" y="547805"/>
+                </a:cubicBezTo>
+                <a:cubicBezTo>
+                  <a:pt x="443544" y="546478"/>
+                  <a:pt x="443046" y="543326"/>
+                  <a:pt x="443046" y="538350"/>
+                </a:cubicBezTo>
+                <a:lnTo>
+                  <a:pt x="445037" y="412943"/>
+                </a:lnTo>
+                <a:lnTo>
+                  <a:pt x="445037" y="263153"/>
+                </a:lnTo>
+                <a:cubicBezTo>
+                  <a:pt x="445037" y="238270"/>
+                  <a:pt x="445700" y="199952"/>
+                  <a:pt x="447027" y="148197"/>
+                </a:cubicBezTo>
+                <a:cubicBezTo>
+                  <a:pt x="425463" y="169761"/>
+                  <a:pt x="408874" y="185354"/>
+                  <a:pt x="397263" y="194975"/>
+                </a:cubicBezTo>
+                <a:cubicBezTo>
+                  <a:pt x="389300" y="201942"/>
+                  <a:pt x="383163" y="205426"/>
+                  <a:pt x="378850" y="205426"/>
+                </a:cubicBezTo>
+                <a:cubicBezTo>
+                  <a:pt x="374205" y="205426"/>
+                  <a:pt x="370390" y="198957"/>
+                  <a:pt x="367404" y="186018"/>
+                </a:cubicBezTo>
+                <a:lnTo>
+                  <a:pt x="339249" y="112528"/>
+                </a:lnTo>
+                <a:lnTo>
+                  <a:pt x="339742" y="112228"/>
+                </a:lnTo>
+                <a:cubicBezTo>
+                  <a:pt x="392443" y="83599"/>
+                  <a:pt x="448222" y="59917"/>
+                  <a:pt x="506455" y="41804"/>
+                </a:cubicBezTo>
+                <a:close/>
+                <a:moveTo>
+                  <a:pt x="631653" y="29758"/>
+                </a:moveTo>
+                <a:cubicBezTo>
+                  <a:pt x="662507" y="32743"/>
+                  <a:pt x="692366" y="36890"/>
+                  <a:pt x="721229" y="42199"/>
+                </a:cubicBezTo>
+                <a:cubicBezTo>
+                  <a:pt x="732841" y="44189"/>
+                  <a:pt x="738647" y="49166"/>
+                  <a:pt x="738647" y="57128"/>
+                </a:cubicBezTo>
+                <a:cubicBezTo>
+                  <a:pt x="738647" y="61441"/>
+                  <a:pt x="736324" y="66583"/>
+                  <a:pt x="731680" y="72555"/>
+                </a:cubicBezTo>
+                <a:cubicBezTo>
+                  <a:pt x="727367" y="77531"/>
+                  <a:pt x="724215" y="90470"/>
+                  <a:pt x="722224" y="111371"/>
+                </a:cubicBezTo>
+                <a:cubicBezTo>
+                  <a:pt x="711940" y="220853"/>
+                  <a:pt x="694356" y="309434"/>
+                  <a:pt x="669474" y="377113"/>
+                </a:cubicBezTo>
+                <a:cubicBezTo>
+                  <a:pt x="665493" y="390052"/>
+                  <a:pt x="660682" y="396521"/>
+                  <a:pt x="655042" y="396521"/>
+                </a:cubicBezTo>
+                <a:cubicBezTo>
+                  <a:pt x="653384" y="396521"/>
+                  <a:pt x="646582" y="394199"/>
+                  <a:pt x="634639" y="389554"/>
+                </a:cubicBezTo>
+                <a:cubicBezTo>
+                  <a:pt x="616060" y="381260"/>
+                  <a:pt x="594330" y="374791"/>
+                  <a:pt x="569448" y="370146"/>
+                </a:cubicBezTo>
+                <a:cubicBezTo>
+                  <a:pt x="602292" y="280570"/>
+                  <a:pt x="622696" y="192985"/>
+                  <a:pt x="630658" y="107390"/>
+                </a:cubicBezTo>
+                <a:cubicBezTo>
+                  <a:pt x="631985" y="91465"/>
+                  <a:pt x="632648" y="75873"/>
+                  <a:pt x="632648" y="60611"/>
+                </a:cubicBezTo>
+                <a:cubicBezTo>
+                  <a:pt x="632648" y="49995"/>
+                  <a:pt x="632317" y="39710"/>
+                  <a:pt x="631653" y="29758"/>
+                </a:cubicBezTo>
+                <a:close/>
+                <a:moveTo>
+                  <a:pt x="965075" y="22293"/>
+                </a:moveTo>
+                <a:cubicBezTo>
+                  <a:pt x="967729" y="22293"/>
+                  <a:pt x="970383" y="25445"/>
+                  <a:pt x="973037" y="31748"/>
+                </a:cubicBezTo>
+                <a:cubicBezTo>
+                  <a:pt x="999578" y="113030"/>
+                  <a:pt x="1018986" y="203767"/>
+                  <a:pt x="1031261" y="303959"/>
+                </a:cubicBezTo>
+                <a:cubicBezTo>
+                  <a:pt x="1031261" y="306282"/>
+                  <a:pt x="1031261" y="307941"/>
+                  <a:pt x="1031261" y="308936"/>
+                </a:cubicBezTo>
+                <a:cubicBezTo>
+                  <a:pt x="1031261" y="314576"/>
+                  <a:pt x="1027114" y="318723"/>
+                  <a:pt x="1018820" y="321377"/>
+                </a:cubicBezTo>
+                <a:lnTo>
+                  <a:pt x="960596" y="341780"/>
+                </a:lnTo>
+                <a:cubicBezTo>
+                  <a:pt x="954624" y="344103"/>
+                  <a:pt x="950477" y="345264"/>
+                  <a:pt x="948155" y="345264"/>
+                </a:cubicBezTo>
+                <a:cubicBezTo>
+                  <a:pt x="944837" y="345264"/>
+                  <a:pt x="942846" y="342444"/>
+                  <a:pt x="942183" y="336804"/>
+                </a:cubicBezTo>
+                <a:cubicBezTo>
+                  <a:pt x="930903" y="229645"/>
+                  <a:pt x="913651" y="136917"/>
+                  <a:pt x="890428" y="58621"/>
+                </a:cubicBezTo>
+                <a:cubicBezTo>
+                  <a:pt x="889433" y="55635"/>
+                  <a:pt x="888935" y="53313"/>
+                  <a:pt x="888935" y="51654"/>
+                </a:cubicBezTo>
+                <a:cubicBezTo>
+                  <a:pt x="888935" y="47341"/>
+                  <a:pt x="893248" y="43857"/>
+                  <a:pt x="901874" y="41203"/>
+                </a:cubicBezTo>
+                <a:lnTo>
+                  <a:pt x="956615" y="24781"/>
+                </a:lnTo>
+                <a:cubicBezTo>
+                  <a:pt x="960264" y="23122"/>
+                  <a:pt x="963084" y="22293"/>
+                  <a:pt x="965075" y="22293"/>
+                </a:cubicBezTo>
+                <a:close/>
+                <a:moveTo>
+                  <a:pt x="1431951" y="0"/>
+                </a:moveTo>
+                <a:lnTo>
+                  <a:pt x="1538858" y="0"/>
+                </a:lnTo>
+                <a:lnTo>
+                  <a:pt x="1538858" y="406972"/>
+                </a:lnTo>
+                <a:lnTo>
+                  <a:pt x="1665260" y="406972"/>
+                </a:lnTo>
+                <a:lnTo>
+                  <a:pt x="1665260" y="0"/>
+                </a:lnTo>
+                <a:lnTo>
+                  <a:pt x="1759812" y="0"/>
+                </a:lnTo>
+                <a:lnTo>
+                  <a:pt x="1759812" y="50161"/>
+                </a:lnTo>
+                <a:lnTo>
+                  <a:pt x="1920551" y="50161"/>
+                </a:lnTo>
+                <a:lnTo>
+                  <a:pt x="1920551" y="0"/>
+                </a:lnTo>
+                <a:lnTo>
+                  <a:pt x="2016596" y="0"/>
+                </a:lnTo>
+                <a:lnTo>
+                  <a:pt x="2016596" y="406972"/>
+                </a:lnTo>
+                <a:lnTo>
+                  <a:pt x="2144491" y="406972"/>
+                </a:lnTo>
+                <a:lnTo>
+                  <a:pt x="2144491" y="0"/>
+                </a:lnTo>
+                <a:lnTo>
+                  <a:pt x="2252267" y="0"/>
+                </a:lnTo>
+                <a:lnTo>
+                  <a:pt x="2251485" y="75541"/>
+                </a:lnTo>
+                <a:lnTo>
+                  <a:pt x="2251485" y="260167"/>
+                </a:lnTo>
+                <a:lnTo>
+                  <a:pt x="2253475" y="535364"/>
+                </a:lnTo>
+                <a:cubicBezTo>
+                  <a:pt x="2253475" y="540672"/>
+                  <a:pt x="2252811" y="543824"/>
+                  <a:pt x="2251485" y="544819"/>
+                </a:cubicBezTo>
+                <a:cubicBezTo>
+                  <a:pt x="2250157" y="545814"/>
+                  <a:pt x="2247006" y="546312"/>
+                  <a:pt x="2242029" y="546312"/>
+                </a:cubicBezTo>
+                <a:lnTo>
+                  <a:pt x="2155937" y="546312"/>
+                </a:lnTo>
+                <a:cubicBezTo>
+                  <a:pt x="2150297" y="546312"/>
+                  <a:pt x="2146979" y="545649"/>
+                  <a:pt x="2145984" y="544321"/>
+                </a:cubicBezTo>
+                <a:cubicBezTo>
+                  <a:pt x="2144989" y="542994"/>
+                  <a:pt x="2144491" y="540009"/>
+                  <a:pt x="2144491" y="535364"/>
+                </a:cubicBezTo>
+                <a:lnTo>
+                  <a:pt x="2144491" y="497543"/>
+                </a:lnTo>
+                <a:lnTo>
+                  <a:pt x="1538858" y="497543"/>
+                </a:lnTo>
+                <a:lnTo>
+                  <a:pt x="1538858" y="538350"/>
+                </a:lnTo>
+                <a:cubicBezTo>
+                  <a:pt x="1538858" y="543658"/>
+                  <a:pt x="1538194" y="546976"/>
+                  <a:pt x="1536868" y="548303"/>
+                </a:cubicBezTo>
+                <a:cubicBezTo>
+                  <a:pt x="1535541" y="549298"/>
+                  <a:pt x="1532389" y="549796"/>
+                  <a:pt x="1527412" y="549796"/>
+                </a:cubicBezTo>
+                <a:lnTo>
+                  <a:pt x="1441818" y="549796"/>
+                </a:lnTo>
+                <a:cubicBezTo>
+                  <a:pt x="1436510" y="549796"/>
+                  <a:pt x="1433358" y="548966"/>
+                  <a:pt x="1432363" y="547307"/>
+                </a:cubicBezTo>
+                <a:cubicBezTo>
+                  <a:pt x="1431367" y="546312"/>
+                  <a:pt x="1430870" y="543326"/>
+                  <a:pt x="1430870" y="538350"/>
+                </a:cubicBezTo>
+                <a:lnTo>
+                  <a:pt x="1432860" y="261162"/>
+                </a:lnTo>
+                <a:lnTo>
+                  <a:pt x="1432860" y="97935"/>
+                </a:lnTo>
+                <a:close/>
+                <a:moveTo>
+                  <a:pt x="998258" y="0"/>
+                </a:moveTo>
+                <a:lnTo>
+                  <a:pt x="1289970" y="0"/>
+                </a:lnTo>
+                <a:lnTo>
+                  <a:pt x="1289041" y="4875"/>
+                </a:lnTo>
+                <a:cubicBezTo>
+                  <a:pt x="1287714" y="5871"/>
+                  <a:pt x="1284728" y="6368"/>
+                  <a:pt x="1280083" y="6368"/>
+                </a:cubicBezTo>
+                <a:lnTo>
+                  <a:pt x="1203446" y="4378"/>
+                </a:lnTo>
+                <a:lnTo>
+                  <a:pt x="1203446" y="218365"/>
+                </a:lnTo>
+                <a:lnTo>
+                  <a:pt x="1205437" y="417920"/>
+                </a:lnTo>
+                <a:cubicBezTo>
+                  <a:pt x="1205437" y="468348"/>
+                  <a:pt x="1194157" y="501690"/>
+                  <a:pt x="1171597" y="517946"/>
+                </a:cubicBezTo>
+                <a:cubicBezTo>
+                  <a:pt x="1160317" y="526572"/>
+                  <a:pt x="1143397" y="532378"/>
+                  <a:pt x="1120837" y="535364"/>
+                </a:cubicBezTo>
+                <a:cubicBezTo>
+                  <a:pt x="1103586" y="537354"/>
+                  <a:pt x="1076049" y="538350"/>
+                  <a:pt x="1038228" y="538350"/>
+                </a:cubicBezTo>
+                <a:cubicBezTo>
+                  <a:pt x="1021640" y="538350"/>
+                  <a:pt x="1011853" y="536691"/>
+                  <a:pt x="1008867" y="533373"/>
+                </a:cubicBezTo>
+                <a:cubicBezTo>
+                  <a:pt x="1006545" y="530387"/>
+                  <a:pt x="1004057" y="521264"/>
+                  <a:pt x="1001403" y="506003"/>
+                </a:cubicBezTo>
+                <a:cubicBezTo>
+                  <a:pt x="996758" y="475149"/>
+                  <a:pt x="989957" y="450930"/>
+                  <a:pt x="980999" y="433347"/>
+                </a:cubicBezTo>
+                <a:cubicBezTo>
+                  <a:pt x="1014176" y="437328"/>
+                  <a:pt x="1042707" y="439319"/>
+                  <a:pt x="1066594" y="439319"/>
+                </a:cubicBezTo>
+                <a:cubicBezTo>
+                  <a:pt x="1082187" y="439319"/>
+                  <a:pt x="1092472" y="436333"/>
+                  <a:pt x="1097448" y="430361"/>
+                </a:cubicBezTo>
+                <a:cubicBezTo>
+                  <a:pt x="1101429" y="424721"/>
+                  <a:pt x="1103420" y="414602"/>
+                  <a:pt x="1103420" y="400005"/>
+                </a:cubicBezTo>
+                <a:lnTo>
+                  <a:pt x="1103420" y="4378"/>
+                </a:lnTo>
+                <a:lnTo>
+                  <a:pt x="1096453" y="4378"/>
+                </a:lnTo>
+                <a:lnTo>
+                  <a:pt x="1009863" y="6368"/>
+                </a:lnTo>
+                <a:cubicBezTo>
+                  <a:pt x="1003891" y="6368"/>
+                  <a:pt x="1000241" y="5705"/>
+                  <a:pt x="998915" y="4378"/>
+                </a:cubicBezTo>
+                <a:close/>
+                <a:moveTo>
+                  <a:pt x="782964" y="0"/>
+                </a:moveTo>
+                <a:lnTo>
+                  <a:pt x="864053" y="0"/>
+                </a:lnTo>
+                <a:lnTo>
+                  <a:pt x="864053" y="355217"/>
+                </a:lnTo>
+                <a:lnTo>
+                  <a:pt x="865048" y="536359"/>
+                </a:lnTo>
+                <a:cubicBezTo>
+                  <a:pt x="865048" y="541999"/>
+                  <a:pt x="864551" y="545317"/>
+                  <a:pt x="863555" y="546312"/>
+                </a:cubicBezTo>
+                <a:cubicBezTo>
+                  <a:pt x="862560" y="547307"/>
+                  <a:pt x="859740" y="547805"/>
+                  <a:pt x="855095" y="547805"/>
+                </a:cubicBezTo>
+                <a:lnTo>
+                  <a:pt x="770993" y="547805"/>
+                </a:lnTo>
+                <a:cubicBezTo>
+                  <a:pt x="764358" y="547805"/>
+                  <a:pt x="761041" y="543990"/>
+                  <a:pt x="761041" y="536359"/>
+                </a:cubicBezTo>
+                <a:lnTo>
+                  <a:pt x="763031" y="355217"/>
+                </a:lnTo>
+                <a:lnTo>
+                  <a:pt x="763031" y="1007"/>
+                </a:lnTo>
+                <a:close/>
+              </a:path>
+            </a:pathLst>
+          </a:custGeom>
+          <a:solidFill>
+            <a:srgbClr val="FFC000"/>
+          </a:solidFill>
+          <a:ln>
+            <a:noFill/>
+          </a:ln>
+          <a:effectLst/>
+        </p:spPr>
+        <p:txBody>
+          <a:bodyPr rot="0" spcFirstLastPara="0" vertOverflow="overflow" horzOverflow="overflow" vert="horz" wrap="square" lIns="91440" tIns="45720" rIns="91440" bIns="45720" numCol="1" spcCol="0" rtlCol="0" fromWordArt="0" anchor="t" anchorCtr="0" forceAA="0" compatLnSpc="1">
+            <a:prstTxWarp prst="textNoShape">
+              <a:avLst/>
+            </a:prstTxWarp>
+            <a:noAutofit/>
+          </a:bodyPr>
+          <a:lstStyle/>
+          <a:p>
+            <a:endParaRPr lang="en-US" altLang="ja-JP" sz="8000" b="1">
+              <a:solidFill>
+                <a:srgbClr val="FF0000"/>
+              </a:solidFill>
+            </a:endParaRPr>
+          </a:p>
+        </p:txBody>
+      </p:sp>
+      <p:pic>
+        <p:nvPicPr>
+          <p:cNvPr id="16" name="図 15">
+            <a:extLst>
+              <a:ext uri="{FF2B5EF4-FFF2-40B4-BE49-F238E27FC236}">
+                <a16:creationId xmlns:a16="http://schemas.microsoft.com/office/drawing/2014/main" id="{8116D6BB-C166-CA02-E91C-A4D5E452C0F1}"/>
+              </a:ext>
+            </a:extLst>
+          </p:cNvPr>
+          <p:cNvPicPr>
+            <a:picLocks noChangeAspect="1"/>
+          </p:cNvPicPr>
+          <p:nvPr/>
+        </p:nvPicPr>
+        <p:blipFill>
+          <a:blip r:embed="rId2"/>
+          <a:stretch>
+            <a:fillRect/>
+          </a:stretch>
+        </p:blipFill>
+        <p:spPr>
+          <a:xfrm>
+            <a:off x="1346572" y="7500612"/>
+            <a:ext cx="9544626" cy="5262186"/>
+          </a:xfrm>
+          <a:prstGeom prst="rect">
+            <a:avLst/>
+          </a:prstGeom>
+        </p:spPr>
+      </p:pic>
+      <p:pic>
+        <p:nvPicPr>
+          <p:cNvPr id="8" name="図 7">
+            <a:extLst>
+              <a:ext uri="{FF2B5EF4-FFF2-40B4-BE49-F238E27FC236}">
+                <a16:creationId xmlns:a16="http://schemas.microsoft.com/office/drawing/2014/main" id="{22B1E1BF-D826-EDA0-88F8-82A9E09366CC}"/>
+              </a:ext>
+            </a:extLst>
+          </p:cNvPr>
+          <p:cNvPicPr>
+            <a:picLocks noChangeAspect="1"/>
+          </p:cNvPicPr>
+          <p:nvPr/>
+        </p:nvPicPr>
+        <p:blipFill>
+          <a:blip r:embed="rId3"/>
+          <a:stretch>
+            <a:fillRect/>
+          </a:stretch>
+        </p:blipFill>
+        <p:spPr>
+          <a:xfrm>
+            <a:off x="1578943" y="821845"/>
+            <a:ext cx="9034113" cy="5208519"/>
+          </a:xfrm>
+          <a:prstGeom prst="rect">
+            <a:avLst/>
+          </a:prstGeom>
+        </p:spPr>
+      </p:pic>
+    </p:spTree>
+    <p:extLst>
+      <p:ext uri="{BB962C8B-B14F-4D97-AF65-F5344CB8AC3E}">
+        <p14:creationId xmlns:p14="http://schemas.microsoft.com/office/powerpoint/2010/main" val="371821569"/>
+      </p:ext>
+    </p:extLst>
+  </p:cSld>
+  <p:clrMapOvr>
+    <a:masterClrMapping/>
+  </p:clrMapOvr>
+</p:sld>
+</file>
+
+<file path=ppt/slides/slide12.xml><?xml version="1.0" encoding="utf-8"?>
 <p:sld xmlns:a="http://schemas.openxmlformats.org/drawingml/2006/main" xmlns:r="http://schemas.openxmlformats.org/officeDocument/2006/relationships" xmlns:p="http://schemas.openxmlformats.org/presentationml/2006/main">
   <p:cSld>
     <p:spTree>
@@ -6891,7 +7780,7 @@
 </p:sld>
 </file>
 
-<file path=ppt/slides/slide12.xml><?xml version="1.0" encoding="utf-8"?>
+<file path=ppt/slides/slide13.xml><?xml version="1.0" encoding="utf-8"?>
 <p:sld xmlns:a="http://schemas.openxmlformats.org/drawingml/2006/main" xmlns:r="http://schemas.openxmlformats.org/officeDocument/2006/relationships" xmlns:p="http://schemas.openxmlformats.org/presentationml/2006/main">
   <p:cSld>
     <p:spTree>
@@ -7775,7 +8664,7 @@
         </p:nvSpPr>
         <p:spPr>
           <a:xfrm>
-            <a:off x="2056282" y="2683855"/>
+            <a:off x="2056282" y="927022"/>
             <a:ext cx="3877985" cy="1200329"/>
           </a:xfrm>
           <a:prstGeom prst="rect">
@@ -7875,6 +8764,36 @@
           <a:xfrm>
             <a:off x="7515849" y="-2895"/>
             <a:ext cx="4099560" cy="6858000"/>
+          </a:xfrm>
+          <a:prstGeom prst="rect">
+            <a:avLst/>
+          </a:prstGeom>
+        </p:spPr>
+      </p:pic>
+      <p:pic>
+        <p:nvPicPr>
+          <p:cNvPr id="4" name="図 3" descr="ロゴ&#10;&#10;AI 生成コンテンツは間違っている可能性があります。">
+            <a:extLst>
+              <a:ext uri="{FF2B5EF4-FFF2-40B4-BE49-F238E27FC236}">
+                <a16:creationId xmlns:a16="http://schemas.microsoft.com/office/drawing/2014/main" id="{33134F7F-B0AB-326D-CBE6-E0D8BB792F82}"/>
+              </a:ext>
+            </a:extLst>
+          </p:cNvPr>
+          <p:cNvPicPr>
+            <a:picLocks noChangeAspect="1"/>
+          </p:cNvPicPr>
+          <p:nvPr/>
+        </p:nvPicPr>
+        <p:blipFill>
+          <a:blip r:embed="rId3"/>
+          <a:stretch>
+            <a:fillRect/>
+          </a:stretch>
+        </p:blipFill>
+        <p:spPr>
+          <a:xfrm>
+            <a:off x="190501" y="635000"/>
+            <a:ext cx="7620000" cy="7672917"/>
           </a:xfrm>
           <a:prstGeom prst="rect">
             <a:avLst/>
@@ -9259,7 +10178,7 @@
         <p:cNvPr id="1" name="">
           <a:extLst>
             <a:ext uri="{FF2B5EF4-FFF2-40B4-BE49-F238E27FC236}">
-              <a16:creationId xmlns:a16="http://schemas.microsoft.com/office/drawing/2014/main" id="{2FCA31D1-27B1-CEA9-11CB-44572128FE71}"/>
+              <a16:creationId xmlns:a16="http://schemas.microsoft.com/office/drawing/2014/main" id="{FBFFE9DE-A485-C4B2-6A3E-49975E7DC382}"/>
             </a:ext>
           </a:extLst>
         </p:cNvPr>
@@ -9276,10 +10195,10 @@
       </p:grpSpPr>
       <p:sp>
         <p:nvSpPr>
-          <p:cNvPr id="3" name="四角形: 角を丸くする 2">
-            <a:extLst>
-              <a:ext uri="{FF2B5EF4-FFF2-40B4-BE49-F238E27FC236}">
-                <a16:creationId xmlns:a16="http://schemas.microsoft.com/office/drawing/2014/main" id="{1A999551-7688-ECE2-01C5-E45E0E952E5C}"/>
+          <p:cNvPr id="6" name="四角形: 角を丸くする 5">
+            <a:extLst>
+              <a:ext uri="{FF2B5EF4-FFF2-40B4-BE49-F238E27FC236}">
+                <a16:creationId xmlns:a16="http://schemas.microsoft.com/office/drawing/2014/main" id="{8D6DA0E0-583A-B4DF-5B16-AEAE164EEE40}"/>
               </a:ext>
             </a:extLst>
           </p:cNvPr>
@@ -9328,10 +10247,10 @@
       </p:sp>
       <p:sp>
         <p:nvSpPr>
-          <p:cNvPr id="4" name="テキスト ボックス 3">
-            <a:extLst>
-              <a:ext uri="{FF2B5EF4-FFF2-40B4-BE49-F238E27FC236}">
-                <a16:creationId xmlns:a16="http://schemas.microsoft.com/office/drawing/2014/main" id="{8D9FCA83-1B2C-F33A-289D-BD6421788323}"/>
+          <p:cNvPr id="2" name="テキスト ボックス 1">
+            <a:extLst>
+              <a:ext uri="{FF2B5EF4-FFF2-40B4-BE49-F238E27FC236}">
+                <a16:creationId xmlns:a16="http://schemas.microsoft.com/office/drawing/2014/main" id="{14D96358-026B-0435-965C-A8D4434F55DE}"/>
               </a:ext>
             </a:extLst>
           </p:cNvPr>
@@ -9340,8 +10259,8 @@
         </p:nvSpPr>
         <p:spPr>
           <a:xfrm>
-            <a:off x="220367" y="130099"/>
-            <a:ext cx="3262432" cy="1323439"/>
+            <a:off x="2741084" y="2635250"/>
+            <a:ext cx="3380171" cy="1577355"/>
           </a:xfrm>
           <a:prstGeom prst="rect">
             <a:avLst/>
@@ -9349,575 +10268,31 @@
           <a:noFill/>
         </p:spPr>
         <p:txBody>
-          <a:bodyPr wrap="none" rtlCol="0">
-            <a:spAutoFit/>
-          </a:bodyPr>
-          <a:lstStyle/>
-          <a:p>
-            <a:r>
-              <a:rPr lang="ja-JP" altLang="en-US" sz="8000" b="1">
-                <a:solidFill>
-                  <a:schemeClr val="bg1"/>
-                </a:solidFill>
-              </a:rPr>
-              <a:t>技術面</a:t>
-            </a:r>
-            <a:endParaRPr lang="en-US" altLang="ja-JP" sz="8000" b="1">
-              <a:solidFill>
-                <a:schemeClr val="bg1"/>
-              </a:solidFill>
-            </a:endParaRPr>
-          </a:p>
-        </p:txBody>
-      </p:sp>
-      <p:sp>
-        <p:nvSpPr>
-          <p:cNvPr id="7" name="テキスト ボックス 6">
-            <a:extLst>
-              <a:ext uri="{FF2B5EF4-FFF2-40B4-BE49-F238E27FC236}">
-                <a16:creationId xmlns:a16="http://schemas.microsoft.com/office/drawing/2014/main" id="{BD82E50D-F9D0-C1E2-AD9F-1690928C3421}"/>
-              </a:ext>
-            </a:extLst>
-          </p:cNvPr>
-          <p:cNvSpPr txBox="1"/>
-          <p:nvPr/>
-        </p:nvSpPr>
-        <p:spPr>
-          <a:xfrm>
-            <a:off x="1007525" y="636607"/>
-            <a:ext cx="2253475" cy="549796"/>
-          </a:xfrm>
-          <a:custGeom>
-            <a:avLst/>
-            <a:gdLst/>
-            <a:ahLst/>
-            <a:cxnLst/>
-            <a:rect l="l" t="t" r="r" b="b"/>
-            <a:pathLst>
-              <a:path w="2253475" h="549796">
-                <a:moveTo>
-                  <a:pt x="64885" y="345765"/>
-                </a:moveTo>
-                <a:lnTo>
-                  <a:pt x="151427" y="396895"/>
-                </a:lnTo>
-                <a:cubicBezTo>
-                  <a:pt x="191570" y="415390"/>
-                  <a:pt x="234865" y="430527"/>
-                  <a:pt x="281312" y="442304"/>
-                </a:cubicBezTo>
-                <a:cubicBezTo>
-                  <a:pt x="265719" y="463537"/>
-                  <a:pt x="251785" y="488751"/>
-                  <a:pt x="239510" y="517946"/>
-                </a:cubicBezTo>
-                <a:cubicBezTo>
-                  <a:pt x="231879" y="535530"/>
-                  <a:pt x="225410" y="544321"/>
-                  <a:pt x="220101" y="544321"/>
-                </a:cubicBezTo>
-                <a:cubicBezTo>
-                  <a:pt x="215125" y="544321"/>
-                  <a:pt x="206997" y="542331"/>
-                  <a:pt x="195717" y="538350"/>
-                </a:cubicBezTo>
-                <a:cubicBezTo>
-                  <a:pt x="150100" y="521264"/>
-                  <a:pt x="107675" y="501566"/>
-                  <a:pt x="68445" y="479255"/>
-                </a:cubicBezTo>
-                <a:lnTo>
-                  <a:pt x="0" y="431918"/>
-                </a:lnTo>
-                <a:lnTo>
-                  <a:pt x="11917" y="409962"/>
-                </a:lnTo>
-                <a:close/>
-                <a:moveTo>
-                  <a:pt x="1759812" y="309931"/>
-                </a:moveTo>
-                <a:lnTo>
-                  <a:pt x="1759812" y="406972"/>
-                </a:lnTo>
-                <a:lnTo>
-                  <a:pt x="1920551" y="406972"/>
-                </a:lnTo>
-                <a:lnTo>
-                  <a:pt x="1920551" y="309931"/>
-                </a:lnTo>
-                <a:close/>
-                <a:moveTo>
-                  <a:pt x="1759812" y="135756"/>
-                </a:moveTo>
-                <a:lnTo>
-                  <a:pt x="1759812" y="224336"/>
-                </a:lnTo>
-                <a:lnTo>
-                  <a:pt x="1920551" y="224336"/>
-                </a:lnTo>
-                <a:lnTo>
-                  <a:pt x="1920551" y="135756"/>
-                </a:lnTo>
-                <a:close/>
-                <a:moveTo>
-                  <a:pt x="546096" y="31612"/>
-                </a:moveTo>
-                <a:lnTo>
-                  <a:pt x="545063" y="33241"/>
-                </a:lnTo>
-                <a:lnTo>
-                  <a:pt x="545063" y="412943"/>
-                </a:lnTo>
-                <a:lnTo>
-                  <a:pt x="547054" y="538350"/>
-                </a:lnTo>
-                <a:cubicBezTo>
-                  <a:pt x="547054" y="543990"/>
-                  <a:pt x="546390" y="547307"/>
-                  <a:pt x="545063" y="548303"/>
-                </a:cubicBezTo>
-                <a:cubicBezTo>
-                  <a:pt x="543736" y="549298"/>
-                  <a:pt x="540750" y="549796"/>
-                  <a:pt x="536106" y="549796"/>
-                </a:cubicBezTo>
-                <a:lnTo>
-                  <a:pt x="453994" y="549796"/>
-                </a:lnTo>
-                <a:cubicBezTo>
-                  <a:pt x="448686" y="549796"/>
-                  <a:pt x="445534" y="549132"/>
-                  <a:pt x="444539" y="547805"/>
-                </a:cubicBezTo>
-                <a:cubicBezTo>
-                  <a:pt x="443544" y="546478"/>
-                  <a:pt x="443046" y="543326"/>
-                  <a:pt x="443046" y="538350"/>
-                </a:cubicBezTo>
-                <a:lnTo>
-                  <a:pt x="445037" y="412943"/>
-                </a:lnTo>
-                <a:lnTo>
-                  <a:pt x="445037" y="263153"/>
-                </a:lnTo>
-                <a:cubicBezTo>
-                  <a:pt x="445037" y="238270"/>
-                  <a:pt x="445700" y="199952"/>
-                  <a:pt x="447027" y="148197"/>
-                </a:cubicBezTo>
-                <a:cubicBezTo>
-                  <a:pt x="425463" y="169761"/>
-                  <a:pt x="408874" y="185354"/>
-                  <a:pt x="397263" y="194975"/>
-                </a:cubicBezTo>
-                <a:cubicBezTo>
-                  <a:pt x="389300" y="201942"/>
-                  <a:pt x="383163" y="205426"/>
-                  <a:pt x="378850" y="205426"/>
-                </a:cubicBezTo>
-                <a:cubicBezTo>
-                  <a:pt x="374205" y="205426"/>
-                  <a:pt x="370390" y="198957"/>
-                  <a:pt x="367404" y="186018"/>
-                </a:cubicBezTo>
-                <a:lnTo>
-                  <a:pt x="339249" y="112528"/>
-                </a:lnTo>
-                <a:lnTo>
-                  <a:pt x="339742" y="112228"/>
-                </a:lnTo>
-                <a:cubicBezTo>
-                  <a:pt x="392443" y="83599"/>
-                  <a:pt x="448222" y="59917"/>
-                  <a:pt x="506455" y="41804"/>
-                </a:cubicBezTo>
-                <a:close/>
-                <a:moveTo>
-                  <a:pt x="631653" y="29758"/>
-                </a:moveTo>
-                <a:cubicBezTo>
-                  <a:pt x="662507" y="32743"/>
-                  <a:pt x="692366" y="36890"/>
-                  <a:pt x="721229" y="42199"/>
-                </a:cubicBezTo>
-                <a:cubicBezTo>
-                  <a:pt x="732841" y="44189"/>
-                  <a:pt x="738647" y="49166"/>
-                  <a:pt x="738647" y="57128"/>
-                </a:cubicBezTo>
-                <a:cubicBezTo>
-                  <a:pt x="738647" y="61441"/>
-                  <a:pt x="736324" y="66583"/>
-                  <a:pt x="731680" y="72555"/>
-                </a:cubicBezTo>
-                <a:cubicBezTo>
-                  <a:pt x="727367" y="77531"/>
-                  <a:pt x="724215" y="90470"/>
-                  <a:pt x="722224" y="111371"/>
-                </a:cubicBezTo>
-                <a:cubicBezTo>
-                  <a:pt x="711940" y="220853"/>
-                  <a:pt x="694356" y="309434"/>
-                  <a:pt x="669474" y="377113"/>
-                </a:cubicBezTo>
-                <a:cubicBezTo>
-                  <a:pt x="665493" y="390052"/>
-                  <a:pt x="660682" y="396521"/>
-                  <a:pt x="655042" y="396521"/>
-                </a:cubicBezTo>
-                <a:cubicBezTo>
-                  <a:pt x="653384" y="396521"/>
-                  <a:pt x="646582" y="394199"/>
-                  <a:pt x="634639" y="389554"/>
-                </a:cubicBezTo>
-                <a:cubicBezTo>
-                  <a:pt x="616060" y="381260"/>
-                  <a:pt x="594330" y="374791"/>
-                  <a:pt x="569448" y="370146"/>
-                </a:cubicBezTo>
-                <a:cubicBezTo>
-                  <a:pt x="602292" y="280570"/>
-                  <a:pt x="622696" y="192985"/>
-                  <a:pt x="630658" y="107390"/>
-                </a:cubicBezTo>
-                <a:cubicBezTo>
-                  <a:pt x="631985" y="91465"/>
-                  <a:pt x="632648" y="75873"/>
-                  <a:pt x="632648" y="60611"/>
-                </a:cubicBezTo>
-                <a:cubicBezTo>
-                  <a:pt x="632648" y="49995"/>
-                  <a:pt x="632317" y="39710"/>
-                  <a:pt x="631653" y="29758"/>
-                </a:cubicBezTo>
-                <a:close/>
-                <a:moveTo>
-                  <a:pt x="965075" y="22293"/>
-                </a:moveTo>
-                <a:cubicBezTo>
-                  <a:pt x="967729" y="22293"/>
-                  <a:pt x="970383" y="25445"/>
-                  <a:pt x="973037" y="31748"/>
-                </a:cubicBezTo>
-                <a:cubicBezTo>
-                  <a:pt x="999578" y="113030"/>
-                  <a:pt x="1018986" y="203767"/>
-                  <a:pt x="1031261" y="303959"/>
-                </a:cubicBezTo>
-                <a:cubicBezTo>
-                  <a:pt x="1031261" y="306282"/>
-                  <a:pt x="1031261" y="307941"/>
-                  <a:pt x="1031261" y="308936"/>
-                </a:cubicBezTo>
-                <a:cubicBezTo>
-                  <a:pt x="1031261" y="314576"/>
-                  <a:pt x="1027114" y="318723"/>
-                  <a:pt x="1018820" y="321377"/>
-                </a:cubicBezTo>
-                <a:lnTo>
-                  <a:pt x="960596" y="341780"/>
-                </a:lnTo>
-                <a:cubicBezTo>
-                  <a:pt x="954624" y="344103"/>
-                  <a:pt x="950477" y="345264"/>
-                  <a:pt x="948155" y="345264"/>
-                </a:cubicBezTo>
-                <a:cubicBezTo>
-                  <a:pt x="944837" y="345264"/>
-                  <a:pt x="942846" y="342444"/>
-                  <a:pt x="942183" y="336804"/>
-                </a:cubicBezTo>
-                <a:cubicBezTo>
-                  <a:pt x="930903" y="229645"/>
-                  <a:pt x="913651" y="136917"/>
-                  <a:pt x="890428" y="58621"/>
-                </a:cubicBezTo>
-                <a:cubicBezTo>
-                  <a:pt x="889433" y="55635"/>
-                  <a:pt x="888935" y="53313"/>
-                  <a:pt x="888935" y="51654"/>
-                </a:cubicBezTo>
-                <a:cubicBezTo>
-                  <a:pt x="888935" y="47341"/>
-                  <a:pt x="893248" y="43857"/>
-                  <a:pt x="901874" y="41203"/>
-                </a:cubicBezTo>
-                <a:lnTo>
-                  <a:pt x="956615" y="24781"/>
-                </a:lnTo>
-                <a:cubicBezTo>
-                  <a:pt x="960264" y="23122"/>
-                  <a:pt x="963084" y="22293"/>
-                  <a:pt x="965075" y="22293"/>
-                </a:cubicBezTo>
-                <a:close/>
-                <a:moveTo>
-                  <a:pt x="1431951" y="0"/>
-                </a:moveTo>
-                <a:lnTo>
-                  <a:pt x="1538858" y="0"/>
-                </a:lnTo>
-                <a:lnTo>
-                  <a:pt x="1538858" y="406972"/>
-                </a:lnTo>
-                <a:lnTo>
-                  <a:pt x="1665260" y="406972"/>
-                </a:lnTo>
-                <a:lnTo>
-                  <a:pt x="1665260" y="0"/>
-                </a:lnTo>
-                <a:lnTo>
-                  <a:pt x="1759812" y="0"/>
-                </a:lnTo>
-                <a:lnTo>
-                  <a:pt x="1759812" y="50161"/>
-                </a:lnTo>
-                <a:lnTo>
-                  <a:pt x="1920551" y="50161"/>
-                </a:lnTo>
-                <a:lnTo>
-                  <a:pt x="1920551" y="0"/>
-                </a:lnTo>
-                <a:lnTo>
-                  <a:pt x="2016596" y="0"/>
-                </a:lnTo>
-                <a:lnTo>
-                  <a:pt x="2016596" y="406972"/>
-                </a:lnTo>
-                <a:lnTo>
-                  <a:pt x="2144491" y="406972"/>
-                </a:lnTo>
-                <a:lnTo>
-                  <a:pt x="2144491" y="0"/>
-                </a:lnTo>
-                <a:lnTo>
-                  <a:pt x="2252267" y="0"/>
-                </a:lnTo>
-                <a:lnTo>
-                  <a:pt x="2251485" y="75541"/>
-                </a:lnTo>
-                <a:lnTo>
-                  <a:pt x="2251485" y="260167"/>
-                </a:lnTo>
-                <a:lnTo>
-                  <a:pt x="2253475" y="535364"/>
-                </a:lnTo>
-                <a:cubicBezTo>
-                  <a:pt x="2253475" y="540672"/>
-                  <a:pt x="2252811" y="543824"/>
-                  <a:pt x="2251485" y="544819"/>
-                </a:cubicBezTo>
-                <a:cubicBezTo>
-                  <a:pt x="2250157" y="545814"/>
-                  <a:pt x="2247006" y="546312"/>
-                  <a:pt x="2242029" y="546312"/>
-                </a:cubicBezTo>
-                <a:lnTo>
-                  <a:pt x="2155937" y="546312"/>
-                </a:lnTo>
-                <a:cubicBezTo>
-                  <a:pt x="2150297" y="546312"/>
-                  <a:pt x="2146979" y="545649"/>
-                  <a:pt x="2145984" y="544321"/>
-                </a:cubicBezTo>
-                <a:cubicBezTo>
-                  <a:pt x="2144989" y="542994"/>
-                  <a:pt x="2144491" y="540009"/>
-                  <a:pt x="2144491" y="535364"/>
-                </a:cubicBezTo>
-                <a:lnTo>
-                  <a:pt x="2144491" y="497543"/>
-                </a:lnTo>
-                <a:lnTo>
-                  <a:pt x="1538858" y="497543"/>
-                </a:lnTo>
-                <a:lnTo>
-                  <a:pt x="1538858" y="538350"/>
-                </a:lnTo>
-                <a:cubicBezTo>
-                  <a:pt x="1538858" y="543658"/>
-                  <a:pt x="1538194" y="546976"/>
-                  <a:pt x="1536868" y="548303"/>
-                </a:cubicBezTo>
-                <a:cubicBezTo>
-                  <a:pt x="1535541" y="549298"/>
-                  <a:pt x="1532389" y="549796"/>
-                  <a:pt x="1527412" y="549796"/>
-                </a:cubicBezTo>
-                <a:lnTo>
-                  <a:pt x="1441818" y="549796"/>
-                </a:lnTo>
-                <a:cubicBezTo>
-                  <a:pt x="1436510" y="549796"/>
-                  <a:pt x="1433358" y="548966"/>
-                  <a:pt x="1432363" y="547307"/>
-                </a:cubicBezTo>
-                <a:cubicBezTo>
-                  <a:pt x="1431367" y="546312"/>
-                  <a:pt x="1430870" y="543326"/>
-                  <a:pt x="1430870" y="538350"/>
-                </a:cubicBezTo>
-                <a:lnTo>
-                  <a:pt x="1432860" y="261162"/>
-                </a:lnTo>
-                <a:lnTo>
-                  <a:pt x="1432860" y="97935"/>
-                </a:lnTo>
-                <a:close/>
-                <a:moveTo>
-                  <a:pt x="998258" y="0"/>
-                </a:moveTo>
-                <a:lnTo>
-                  <a:pt x="1289970" y="0"/>
-                </a:lnTo>
-                <a:lnTo>
-                  <a:pt x="1289041" y="4875"/>
-                </a:lnTo>
-                <a:cubicBezTo>
-                  <a:pt x="1287714" y="5871"/>
-                  <a:pt x="1284728" y="6368"/>
-                  <a:pt x="1280083" y="6368"/>
-                </a:cubicBezTo>
-                <a:lnTo>
-                  <a:pt x="1203446" y="4378"/>
-                </a:lnTo>
-                <a:lnTo>
-                  <a:pt x="1203446" y="218365"/>
-                </a:lnTo>
-                <a:lnTo>
-                  <a:pt x="1205437" y="417920"/>
-                </a:lnTo>
-                <a:cubicBezTo>
-                  <a:pt x="1205437" y="468348"/>
-                  <a:pt x="1194157" y="501690"/>
-                  <a:pt x="1171597" y="517946"/>
-                </a:cubicBezTo>
-                <a:cubicBezTo>
-                  <a:pt x="1160317" y="526572"/>
-                  <a:pt x="1143397" y="532378"/>
-                  <a:pt x="1120837" y="535364"/>
-                </a:cubicBezTo>
-                <a:cubicBezTo>
-                  <a:pt x="1103586" y="537354"/>
-                  <a:pt x="1076049" y="538350"/>
-                  <a:pt x="1038228" y="538350"/>
-                </a:cubicBezTo>
-                <a:cubicBezTo>
-                  <a:pt x="1021640" y="538350"/>
-                  <a:pt x="1011853" y="536691"/>
-                  <a:pt x="1008867" y="533373"/>
-                </a:cubicBezTo>
-                <a:cubicBezTo>
-                  <a:pt x="1006545" y="530387"/>
-                  <a:pt x="1004057" y="521264"/>
-                  <a:pt x="1001403" y="506003"/>
-                </a:cubicBezTo>
-                <a:cubicBezTo>
-                  <a:pt x="996758" y="475149"/>
-                  <a:pt x="989957" y="450930"/>
-                  <a:pt x="980999" y="433347"/>
-                </a:cubicBezTo>
-                <a:cubicBezTo>
-                  <a:pt x="1014176" y="437328"/>
-                  <a:pt x="1042707" y="439319"/>
-                  <a:pt x="1066594" y="439319"/>
-                </a:cubicBezTo>
-                <a:cubicBezTo>
-                  <a:pt x="1082187" y="439319"/>
-                  <a:pt x="1092472" y="436333"/>
-                  <a:pt x="1097448" y="430361"/>
-                </a:cubicBezTo>
-                <a:cubicBezTo>
-                  <a:pt x="1101429" y="424721"/>
-                  <a:pt x="1103420" y="414602"/>
-                  <a:pt x="1103420" y="400005"/>
-                </a:cubicBezTo>
-                <a:lnTo>
-                  <a:pt x="1103420" y="4378"/>
-                </a:lnTo>
-                <a:lnTo>
-                  <a:pt x="1096453" y="4378"/>
-                </a:lnTo>
-                <a:lnTo>
-                  <a:pt x="1009863" y="6368"/>
-                </a:lnTo>
-                <a:cubicBezTo>
-                  <a:pt x="1003891" y="6368"/>
-                  <a:pt x="1000241" y="5705"/>
-                  <a:pt x="998915" y="4378"/>
-                </a:cubicBezTo>
-                <a:close/>
-                <a:moveTo>
-                  <a:pt x="782964" y="0"/>
-                </a:moveTo>
-                <a:lnTo>
-                  <a:pt x="864053" y="0"/>
-                </a:lnTo>
-                <a:lnTo>
-                  <a:pt x="864053" y="355217"/>
-                </a:lnTo>
-                <a:lnTo>
-                  <a:pt x="865048" y="536359"/>
-                </a:lnTo>
-                <a:cubicBezTo>
-                  <a:pt x="865048" y="541999"/>
-                  <a:pt x="864551" y="545317"/>
-                  <a:pt x="863555" y="546312"/>
-                </a:cubicBezTo>
-                <a:cubicBezTo>
-                  <a:pt x="862560" y="547307"/>
-                  <a:pt x="859740" y="547805"/>
-                  <a:pt x="855095" y="547805"/>
-                </a:cubicBezTo>
-                <a:lnTo>
-                  <a:pt x="770993" y="547805"/>
-                </a:lnTo>
-                <a:cubicBezTo>
-                  <a:pt x="764358" y="547805"/>
-                  <a:pt x="761041" y="543990"/>
-                  <a:pt x="761041" y="536359"/>
-                </a:cubicBezTo>
-                <a:lnTo>
-                  <a:pt x="763031" y="355217"/>
-                </a:lnTo>
-                <a:lnTo>
-                  <a:pt x="763031" y="1007"/>
-                </a:lnTo>
-                <a:close/>
-              </a:path>
-            </a:pathLst>
-          </a:custGeom>
-          <a:solidFill>
-            <a:srgbClr val="FFC000"/>
-          </a:solidFill>
-          <a:ln>
-            <a:noFill/>
-          </a:ln>
-          <a:effectLst/>
-        </p:spPr>
-        <p:txBody>
           <a:bodyPr rot="0" spcFirstLastPara="0" vertOverflow="overflow" horzOverflow="overflow" vert="horz" wrap="square" lIns="91440" tIns="45720" rIns="91440" bIns="45720" numCol="1" spcCol="0" rtlCol="0" fromWordArt="0" anchor="t" anchorCtr="0" forceAA="0" compatLnSpc="1">
             <a:prstTxWarp prst="textNoShape">
               <a:avLst/>
             </a:prstTxWarp>
-            <a:noAutofit/>
+            <a:spAutoFit/>
           </a:bodyPr>
           <a:lstStyle/>
           <a:p>
-            <a:endParaRPr lang="en-US" altLang="ja-JP" sz="8000" b="1">
-              <a:solidFill>
-                <a:srgbClr val="FF0000"/>
-              </a:solidFill>
-            </a:endParaRPr>
+            <a:pPr algn="l"/>
+            <a:r>
+              <a:rPr lang="ja-JP" altLang="en-US" sz="9600" b="1">
+                <a:ea typeface="游ゴシック"/>
+              </a:rPr>
+              <a:t>実演</a:t>
+            </a:r>
+            <a:endParaRPr lang="ja-JP" altLang="en-US" sz="9600" b="1"/>
           </a:p>
         </p:txBody>
       </p:sp>
       <p:pic>
         <p:nvPicPr>
-          <p:cNvPr id="16" name="図 15">
-            <a:extLst>
-              <a:ext uri="{FF2B5EF4-FFF2-40B4-BE49-F238E27FC236}">
-                <a16:creationId xmlns:a16="http://schemas.microsoft.com/office/drawing/2014/main" id="{8116D6BB-C166-CA02-E91C-A4D5E452C0F1}"/>
+          <p:cNvPr id="7" name="図 6" descr="四角形 が含まれている画像&#10;&#10;AI 生成コンテンツは誤りを含む可能性があります。">
+            <a:extLst>
+              <a:ext uri="{FF2B5EF4-FFF2-40B4-BE49-F238E27FC236}">
+                <a16:creationId xmlns:a16="http://schemas.microsoft.com/office/drawing/2014/main" id="{636C01B0-69D9-31BF-3322-C3C801510FC2}"/>
               </a:ext>
             </a:extLst>
           </p:cNvPr>
@@ -9927,45 +10302,22 @@
           <p:nvPr/>
         </p:nvPicPr>
         <p:blipFill>
-          <a:blip r:embed="rId2"/>
+          <a:blip r:embed="rId2">
+            <a:extLst>
+              <a:ext uri="{28A0092B-C50C-407E-A947-70E740481C1C}">
+                <a14:useLocalDpi xmlns:a14="http://schemas.microsoft.com/office/drawing/2010/main" val="0"/>
+              </a:ext>
+            </a:extLst>
+          </a:blip>
+          <a:srcRect l="27850" r="27318"/>
           <a:stretch>
             <a:fillRect/>
           </a:stretch>
         </p:blipFill>
         <p:spPr>
           <a:xfrm>
-            <a:off x="1346572" y="7500612"/>
-            <a:ext cx="9544626" cy="5262186"/>
-          </a:xfrm>
-          <a:prstGeom prst="rect">
-            <a:avLst/>
-          </a:prstGeom>
-        </p:spPr>
-      </p:pic>
-      <p:pic>
-        <p:nvPicPr>
-          <p:cNvPr id="24" name="図 23">
-            <a:extLst>
-              <a:ext uri="{FF2B5EF4-FFF2-40B4-BE49-F238E27FC236}">
-                <a16:creationId xmlns:a16="http://schemas.microsoft.com/office/drawing/2014/main" id="{C879565E-298A-4BAF-ECE8-2C0F36FEAF70}"/>
-              </a:ext>
-            </a:extLst>
-          </p:cNvPr>
-          <p:cNvPicPr>
-            <a:picLocks noChangeAspect="1"/>
-          </p:cNvPicPr>
-          <p:nvPr/>
-        </p:nvPicPr>
-        <p:blipFill>
-          <a:blip r:embed="rId3"/>
-          <a:stretch>
-            <a:fillRect/>
-          </a:stretch>
-        </p:blipFill>
-        <p:spPr>
-          <a:xfrm>
-            <a:off x="1416224" y="723140"/>
-            <a:ext cx="9359553" cy="5411721"/>
+            <a:off x="7515849" y="-2895"/>
+            <a:ext cx="4099560" cy="6858000"/>
           </a:xfrm>
           <a:prstGeom prst="rect">
             <a:avLst/>
@@ -9975,7 +10327,7 @@
     </p:spTree>
     <p:extLst>
       <p:ext uri="{BB962C8B-B14F-4D97-AF65-F5344CB8AC3E}">
-        <p14:creationId xmlns:p14="http://schemas.microsoft.com/office/powerpoint/2010/main" val="371821569"/>
+        <p14:creationId xmlns:p14="http://schemas.microsoft.com/office/powerpoint/2010/main" val="1262297006"/>
       </p:ext>
     </p:extLst>
   </p:cSld>
